--- a/Capstone 3/Capstone3_presentation.pptx
+++ b/Capstone 3/Capstone3_presentation.pptx
@@ -25,9 +25,10 @@
     <p:sldId id="281" r:id="rId19"/>
     <p:sldId id="262" r:id="rId20"/>
     <p:sldId id="268" r:id="rId21"/>
-    <p:sldId id="261" r:id="rId22"/>
-    <p:sldId id="269" r:id="rId23"/>
-    <p:sldId id="260" r:id="rId24"/>
+    <p:sldId id="282" r:id="rId22"/>
+    <p:sldId id="261" r:id="rId23"/>
+    <p:sldId id="269" r:id="rId24"/>
+    <p:sldId id="260" r:id="rId25"/>
   </p:sldIdLst>
   <p:sldSz cx="12192000" cy="6858000"/>
   <p:notesSz cx="6858000" cy="9144000"/>
@@ -6894,10 +6895,10 @@
       </p:sp>
       <p:pic>
         <p:nvPicPr>
-          <p:cNvPr id="6" name="Picture 5">
-            <a:extLst>
-              <a:ext uri="{FF2B5EF4-FFF2-40B4-BE49-F238E27FC236}">
-                <a16:creationId xmlns:a16="http://schemas.microsoft.com/office/drawing/2014/main" id="{740D0C4D-D3B7-444D-9F70-33AD0529721B}"/>
+          <p:cNvPr id="7" name="Picture 6">
+            <a:extLst>
+              <a:ext uri="{FF2B5EF4-FFF2-40B4-BE49-F238E27FC236}">
+                <a16:creationId xmlns:a16="http://schemas.microsoft.com/office/drawing/2014/main" id="{D5682AE6-2943-4033-9ABF-ACAA5782BA4C}"/>
               </a:ext>
             </a:extLst>
           </p:cNvPr>
@@ -6919,8 +6920,8 @@
         </p:blipFill>
         <p:spPr bwMode="auto">
           <a:xfrm>
-            <a:off x="1343608" y="2258008"/>
-            <a:ext cx="8158551" cy="2797434"/>
+            <a:off x="1287624" y="1959429"/>
+            <a:ext cx="8475403" cy="2997945"/>
           </a:xfrm>
           <a:prstGeom prst="rect">
             <a:avLst/>
@@ -7379,35 +7380,24 @@
           </a:p>
         </p:txBody>
       </p:sp>
-      <p:pic>
-        <p:nvPicPr>
-          <p:cNvPr id="6" name="Picture 5">
-            <a:extLst>
-              <a:ext uri="{FF2B5EF4-FFF2-40B4-BE49-F238E27FC236}">
-                <a16:creationId xmlns:a16="http://schemas.microsoft.com/office/drawing/2014/main" id="{F18E9D62-A1AD-404A-89F7-7DF83F5E5556}"/>
-              </a:ext>
-            </a:extLst>
-          </p:cNvPr>
-          <p:cNvPicPr/>
+      <p:sp>
+        <p:nvSpPr>
+          <p:cNvPr id="4" name="Rectangle 2">
+            <a:extLst>
+              <a:ext uri="{FF2B5EF4-FFF2-40B4-BE49-F238E27FC236}">
+                <a16:creationId xmlns:a16="http://schemas.microsoft.com/office/drawing/2014/main" id="{16EC4385-CD8C-40D7-B589-EF07F355A1C5}"/>
+              </a:ext>
+            </a:extLst>
+          </p:cNvPr>
+          <p:cNvSpPr>
+            <a:spLocks noChangeArrowheads="1"/>
+          </p:cNvSpPr>
           <p:nvPr/>
-        </p:nvPicPr>
-        <p:blipFill>
-          <a:blip r:embed="rId2">
-            <a:extLst>
-              <a:ext uri="{28A0092B-C50C-407E-A947-70E740481C1C}">
-                <a14:useLocalDpi xmlns:a14="http://schemas.microsoft.com/office/drawing/2010/main" val="0"/>
-              </a:ext>
-            </a:extLst>
-          </a:blip>
-          <a:srcRect/>
-          <a:stretch>
-            <a:fillRect/>
-          </a:stretch>
-        </p:blipFill>
+        </p:nvSpPr>
         <p:spPr bwMode="auto">
-          <a:xfrm>
-            <a:off x="1604865" y="2382518"/>
-            <a:ext cx="8051347" cy="3151507"/>
+          <a:xfrm flipV="1">
+            <a:off x="-3334138" y="3480252"/>
+            <a:ext cx="20154121" cy="45719"/>
           </a:xfrm>
           <a:prstGeom prst="rect">
             <a:avLst/>
@@ -7416,8 +7406,122 @@
           <a:ln>
             <a:noFill/>
           </a:ln>
+          <a:effectLst/>
+          <a:extLst>
+            <a:ext uri="{909E8E84-426E-40DD-AFC4-6F175D3DCCD1}">
+              <a14:hiddenFill xmlns:a14="http://schemas.microsoft.com/office/drawing/2010/main">
+                <a:solidFill>
+                  <a:schemeClr val="accent1"/>
+                </a:solidFill>
+              </a14:hiddenFill>
+            </a:ext>
+            <a:ext uri="{91240B29-F687-4F45-9708-019B960494DF}">
+              <a14:hiddenLine xmlns:a14="http://schemas.microsoft.com/office/drawing/2010/main" w="9525">
+                <a:solidFill>
+                  <a:schemeClr val="tx1"/>
+                </a:solidFill>
+                <a:miter lim="800000"/>
+                <a:headEnd/>
+                <a:tailEnd/>
+              </a14:hiddenLine>
+            </a:ext>
+            <a:ext uri="{AF507438-7753-43E0-B8FC-AC1667EBCBE1}">
+              <a14:hiddenEffects xmlns:a14="http://schemas.microsoft.com/office/drawing/2010/main">
+                <a:effectLst>
+                  <a:outerShdw dist="35921" dir="2700000" algn="ctr" rotWithShape="0">
+                    <a:schemeClr val="bg2"/>
+                  </a:outerShdw>
+                </a:effectLst>
+              </a14:hiddenEffects>
+            </a:ext>
+          </a:extLst>
         </p:spPr>
-      </p:pic>
+        <p:txBody>
+          <a:bodyPr vert="horz" wrap="square" lIns="91440" tIns="45720" rIns="91440" bIns="45720" numCol="1" anchor="ctr" anchorCtr="0" compatLnSpc="1">
+            <a:prstTxWarp prst="textNoShape">
+              <a:avLst/>
+            </a:prstTxWarp>
+            <a:spAutoFit/>
+          </a:bodyPr>
+          <a:lstStyle/>
+          <a:p>
+            <a:endParaRPr lang="en-US"/>
+          </a:p>
+        </p:txBody>
+      </p:sp>
+      <p:graphicFrame>
+        <p:nvGraphicFramePr>
+          <p:cNvPr id="7" name="Object 6">
+            <a:extLst>
+              <a:ext uri="{FF2B5EF4-FFF2-40B4-BE49-F238E27FC236}">
+                <a16:creationId xmlns:a16="http://schemas.microsoft.com/office/drawing/2014/main" id="{DDF14421-F5FE-4F1C-8A59-2E429F1EF3A4}"/>
+              </a:ext>
+            </a:extLst>
+          </p:cNvPr>
+          <p:cNvGraphicFramePr>
+            <a:graphicFrameLocks noChangeAspect="1"/>
+          </p:cNvGraphicFramePr>
+          <p:nvPr>
+            <p:extLst>
+              <p:ext uri="{D42A27DB-BD31-4B8C-83A1-F6EECF244321}">
+                <p14:modId xmlns:p14="http://schemas.microsoft.com/office/powerpoint/2010/main" val="970835725"/>
+              </p:ext>
+            </p:extLst>
+          </p:nvPr>
+        </p:nvGraphicFramePr>
+        <p:xfrm>
+          <a:off x="2090057" y="1825625"/>
+          <a:ext cx="6424126" cy="4188278"/>
+        </p:xfrm>
+        <a:graphic>
+          <a:graphicData uri="http://schemas.openxmlformats.org/presentationml/2006/ole">
+            <mc:AlternateContent xmlns:mc="http://schemas.openxmlformats.org/markup-compatibility/2006">
+              <mc:Choice xmlns:v="urn:schemas-microsoft-com:vml" Requires="v">
+                <p:oleObj name="Bitmap Image" r:id="rId2" imgW="3885714" imgH="2534004" progId="Paint.Picture">
+                  <p:embed/>
+                </p:oleObj>
+              </mc:Choice>
+              <mc:Fallback>
+                <p:oleObj name="Bitmap Image" r:id="rId2" imgW="3885714" imgH="2534004" progId="Paint.Picture">
+                  <p:embed/>
+                  <p:pic>
+                    <p:nvPicPr>
+                      <p:cNvPr id="0" name="Object 1"/>
+                      <p:cNvPicPr>
+                        <a:picLocks noChangeAspect="1" noChangeArrowheads="1"/>
+                      </p:cNvPicPr>
+                      <p:nvPr/>
+                    </p:nvPicPr>
+                    <p:blipFill>
+                      <a:blip r:embed="rId3">
+                        <a:extLst>
+                          <a:ext uri="{28A0092B-C50C-407E-A947-70E740481C1C}">
+                            <a14:useLocalDpi xmlns:a14="http://schemas.microsoft.com/office/drawing/2010/main" val="0"/>
+                          </a:ext>
+                        </a:extLst>
+                      </a:blip>
+                      <a:srcRect/>
+                      <a:stretch>
+                        <a:fillRect/>
+                      </a:stretch>
+                    </p:blipFill>
+                    <p:spPr bwMode="auto">
+                      <a:xfrm>
+                        <a:off x="2090057" y="1825625"/>
+                        <a:ext cx="6424126" cy="4188278"/>
+                      </a:xfrm>
+                      <a:prstGeom prst="rect">
+                        <a:avLst/>
+                      </a:prstGeom>
+                      <a:noFill/>
+                    </p:spPr>
+                  </p:pic>
+                </p:oleObj>
+              </mc:Fallback>
+            </mc:AlternateContent>
+          </a:graphicData>
+        </a:graphic>
+      </p:graphicFrame>
     </p:spTree>
     <p:extLst>
       <p:ext uri="{BB962C8B-B14F-4D97-AF65-F5344CB8AC3E}">
@@ -7432,6 +7536,444 @@
 </file>
 
 <file path=ppt/slides/slide21.xml><?xml version="1.0" encoding="utf-8"?>
+<p:sld xmlns:a="http://schemas.openxmlformats.org/drawingml/2006/main" xmlns:r="http://schemas.openxmlformats.org/officeDocument/2006/relationships" xmlns:p="http://schemas.openxmlformats.org/presentationml/2006/main">
+  <p:cSld>
+    <p:spTree>
+      <p:nvGrpSpPr>
+        <p:cNvPr id="1" name=""/>
+        <p:cNvGrpSpPr/>
+        <p:nvPr/>
+      </p:nvGrpSpPr>
+      <p:grpSpPr>
+        <a:xfrm>
+          <a:off x="0" y="0"/>
+          <a:ext cx="0" cy="0"/>
+          <a:chOff x="0" y="0"/>
+          <a:chExt cx="0" cy="0"/>
+        </a:xfrm>
+      </p:grpSpPr>
+      <p:sp>
+        <p:nvSpPr>
+          <p:cNvPr id="2" name="Title 1">
+            <a:extLst>
+              <a:ext uri="{FF2B5EF4-FFF2-40B4-BE49-F238E27FC236}">
+                <a16:creationId xmlns:a16="http://schemas.microsoft.com/office/drawing/2014/main" id="{AF092AD9-27F9-43C4-A173-FE985A1CE998}"/>
+              </a:ext>
+            </a:extLst>
+          </p:cNvPr>
+          <p:cNvSpPr>
+            <a:spLocks noGrp="1"/>
+          </p:cNvSpPr>
+          <p:nvPr>
+            <p:ph type="title"/>
+          </p:nvPr>
+        </p:nvSpPr>
+        <p:spPr/>
+        <p:txBody>
+          <a:bodyPr/>
+          <a:lstStyle/>
+          <a:p>
+            <a:r>
+              <a:rPr lang="en-US" b="0" i="0" dirty="0">
+                <a:solidFill>
+                  <a:srgbClr val="333333"/>
+                </a:solidFill>
+                <a:effectLst/>
+                <a:latin typeface="Roboto"/>
+              </a:rPr>
+              <a:t>Modeling results and analysis</a:t>
+            </a:r>
+            <a:endParaRPr lang="en-US" dirty="0"/>
+          </a:p>
+        </p:txBody>
+      </p:sp>
+      <p:sp>
+        <p:nvSpPr>
+          <p:cNvPr id="5" name="Content Placeholder 2">
+            <a:extLst>
+              <a:ext uri="{FF2B5EF4-FFF2-40B4-BE49-F238E27FC236}">
+                <a16:creationId xmlns:a16="http://schemas.microsoft.com/office/drawing/2014/main" id="{6B6AA551-6C6E-4D70-A4CB-5D0309881185}"/>
+              </a:ext>
+            </a:extLst>
+          </p:cNvPr>
+          <p:cNvSpPr txBox="1">
+            <a:spLocks/>
+          </p:cNvSpPr>
+          <p:nvPr/>
+        </p:nvSpPr>
+        <p:spPr>
+          <a:xfrm>
+            <a:off x="838200" y="1825625"/>
+            <a:ext cx="10515600" cy="4351338"/>
+          </a:xfrm>
+          <a:prstGeom prst="rect">
+            <a:avLst/>
+          </a:prstGeom>
+        </p:spPr>
+        <p:txBody>
+          <a:bodyPr vert="horz" lIns="91440" tIns="45720" rIns="91440" bIns="45720" rtlCol="0">
+            <a:normAutofit/>
+          </a:bodyPr>
+          <a:lstStyle>
+            <a:lvl1pPr marL="228600" indent="-228600" algn="l" defTabSz="914400" rtl="0" eaLnBrk="1" latinLnBrk="0" hangingPunct="1">
+              <a:lnSpc>
+                <a:spcPct val="90000"/>
+              </a:lnSpc>
+              <a:spcBef>
+                <a:spcPts val="1000"/>
+              </a:spcBef>
+              <a:buFont typeface="Arial" panose="020B0604020202020204" pitchFamily="34" charset="0"/>
+              <a:buChar char="•"/>
+              <a:defRPr sz="2800" kern="1200">
+                <a:solidFill>
+                  <a:schemeClr val="tx1"/>
+                </a:solidFill>
+                <a:latin typeface="+mn-lt"/>
+                <a:ea typeface="+mn-ea"/>
+                <a:cs typeface="+mn-cs"/>
+              </a:defRPr>
+            </a:lvl1pPr>
+            <a:lvl2pPr marL="685800" indent="-228600" algn="l" defTabSz="914400" rtl="0" eaLnBrk="1" latinLnBrk="0" hangingPunct="1">
+              <a:lnSpc>
+                <a:spcPct val="90000"/>
+              </a:lnSpc>
+              <a:spcBef>
+                <a:spcPts val="500"/>
+              </a:spcBef>
+              <a:buFont typeface="Arial" panose="020B0604020202020204" pitchFamily="34" charset="0"/>
+              <a:buChar char="•"/>
+              <a:defRPr sz="2400" kern="1200">
+                <a:solidFill>
+                  <a:schemeClr val="tx1"/>
+                </a:solidFill>
+                <a:latin typeface="+mn-lt"/>
+                <a:ea typeface="+mn-ea"/>
+                <a:cs typeface="+mn-cs"/>
+              </a:defRPr>
+            </a:lvl2pPr>
+            <a:lvl3pPr marL="1143000" indent="-228600" algn="l" defTabSz="914400" rtl="0" eaLnBrk="1" latinLnBrk="0" hangingPunct="1">
+              <a:lnSpc>
+                <a:spcPct val="90000"/>
+              </a:lnSpc>
+              <a:spcBef>
+                <a:spcPts val="500"/>
+              </a:spcBef>
+              <a:buFont typeface="Arial" panose="020B0604020202020204" pitchFamily="34" charset="0"/>
+              <a:buChar char="•"/>
+              <a:defRPr sz="2000" kern="1200">
+                <a:solidFill>
+                  <a:schemeClr val="tx1"/>
+                </a:solidFill>
+                <a:latin typeface="+mn-lt"/>
+                <a:ea typeface="+mn-ea"/>
+                <a:cs typeface="+mn-cs"/>
+              </a:defRPr>
+            </a:lvl3pPr>
+            <a:lvl4pPr marL="1600200" indent="-228600" algn="l" defTabSz="914400" rtl="0" eaLnBrk="1" latinLnBrk="0" hangingPunct="1">
+              <a:lnSpc>
+                <a:spcPct val="90000"/>
+              </a:lnSpc>
+              <a:spcBef>
+                <a:spcPts val="500"/>
+              </a:spcBef>
+              <a:buFont typeface="Arial" panose="020B0604020202020204" pitchFamily="34" charset="0"/>
+              <a:buChar char="•"/>
+              <a:defRPr sz="1800" kern="1200">
+                <a:solidFill>
+                  <a:schemeClr val="tx1"/>
+                </a:solidFill>
+                <a:latin typeface="+mn-lt"/>
+                <a:ea typeface="+mn-ea"/>
+                <a:cs typeface="+mn-cs"/>
+              </a:defRPr>
+            </a:lvl4pPr>
+            <a:lvl5pPr marL="2057400" indent="-228600" algn="l" defTabSz="914400" rtl="0" eaLnBrk="1" latinLnBrk="0" hangingPunct="1">
+              <a:lnSpc>
+                <a:spcPct val="90000"/>
+              </a:lnSpc>
+              <a:spcBef>
+                <a:spcPts val="500"/>
+              </a:spcBef>
+              <a:buFont typeface="Arial" panose="020B0604020202020204" pitchFamily="34" charset="0"/>
+              <a:buChar char="•"/>
+              <a:defRPr sz="1800" kern="1200">
+                <a:solidFill>
+                  <a:schemeClr val="tx1"/>
+                </a:solidFill>
+                <a:latin typeface="+mn-lt"/>
+                <a:ea typeface="+mn-ea"/>
+                <a:cs typeface="+mn-cs"/>
+              </a:defRPr>
+            </a:lvl5pPr>
+            <a:lvl6pPr marL="2514600" indent="-228600" algn="l" defTabSz="914400" rtl="0" eaLnBrk="1" latinLnBrk="0" hangingPunct="1">
+              <a:lnSpc>
+                <a:spcPct val="90000"/>
+              </a:lnSpc>
+              <a:spcBef>
+                <a:spcPts val="500"/>
+              </a:spcBef>
+              <a:buFont typeface="Arial" panose="020B0604020202020204" pitchFamily="34" charset="0"/>
+              <a:buChar char="•"/>
+              <a:defRPr sz="1800" kern="1200">
+                <a:solidFill>
+                  <a:schemeClr val="tx1"/>
+                </a:solidFill>
+                <a:latin typeface="+mn-lt"/>
+                <a:ea typeface="+mn-ea"/>
+                <a:cs typeface="+mn-cs"/>
+              </a:defRPr>
+            </a:lvl6pPr>
+            <a:lvl7pPr marL="2971800" indent="-228600" algn="l" defTabSz="914400" rtl="0" eaLnBrk="1" latinLnBrk="0" hangingPunct="1">
+              <a:lnSpc>
+                <a:spcPct val="90000"/>
+              </a:lnSpc>
+              <a:spcBef>
+                <a:spcPts val="500"/>
+              </a:spcBef>
+              <a:buFont typeface="Arial" panose="020B0604020202020204" pitchFamily="34" charset="0"/>
+              <a:buChar char="•"/>
+              <a:defRPr sz="1800" kern="1200">
+                <a:solidFill>
+                  <a:schemeClr val="tx1"/>
+                </a:solidFill>
+                <a:latin typeface="+mn-lt"/>
+                <a:ea typeface="+mn-ea"/>
+                <a:cs typeface="+mn-cs"/>
+              </a:defRPr>
+            </a:lvl7pPr>
+            <a:lvl8pPr marL="3429000" indent="-228600" algn="l" defTabSz="914400" rtl="0" eaLnBrk="1" latinLnBrk="0" hangingPunct="1">
+              <a:lnSpc>
+                <a:spcPct val="90000"/>
+              </a:lnSpc>
+              <a:spcBef>
+                <a:spcPts val="500"/>
+              </a:spcBef>
+              <a:buFont typeface="Arial" panose="020B0604020202020204" pitchFamily="34" charset="0"/>
+              <a:buChar char="•"/>
+              <a:defRPr sz="1800" kern="1200">
+                <a:solidFill>
+                  <a:schemeClr val="tx1"/>
+                </a:solidFill>
+                <a:latin typeface="+mn-lt"/>
+                <a:ea typeface="+mn-ea"/>
+                <a:cs typeface="+mn-cs"/>
+              </a:defRPr>
+            </a:lvl8pPr>
+            <a:lvl9pPr marL="3886200" indent="-228600" algn="l" defTabSz="914400" rtl="0" eaLnBrk="1" latinLnBrk="0" hangingPunct="1">
+              <a:lnSpc>
+                <a:spcPct val="90000"/>
+              </a:lnSpc>
+              <a:spcBef>
+                <a:spcPts val="500"/>
+              </a:spcBef>
+              <a:buFont typeface="Arial" panose="020B0604020202020204" pitchFamily="34" charset="0"/>
+              <a:buChar char="•"/>
+              <a:defRPr sz="1800" kern="1200">
+                <a:solidFill>
+                  <a:schemeClr val="tx1"/>
+                </a:solidFill>
+                <a:latin typeface="+mn-lt"/>
+                <a:ea typeface="+mn-ea"/>
+                <a:cs typeface="+mn-cs"/>
+              </a:defRPr>
+            </a:lvl9pPr>
+          </a:lstStyle>
+          <a:p>
+            <a:endParaRPr lang="en-US" sz="1600" dirty="0"/>
+          </a:p>
+        </p:txBody>
+      </p:sp>
+      <p:sp>
+        <p:nvSpPr>
+          <p:cNvPr id="3" name="Rectangle 2">
+            <a:extLst>
+              <a:ext uri="{FF2B5EF4-FFF2-40B4-BE49-F238E27FC236}">
+                <a16:creationId xmlns:a16="http://schemas.microsoft.com/office/drawing/2014/main" id="{D2E185C1-D5A1-4D9D-95E3-59E3DA6E942A}"/>
+              </a:ext>
+            </a:extLst>
+          </p:cNvPr>
+          <p:cNvSpPr>
+            <a:spLocks noChangeArrowheads="1"/>
+          </p:cNvSpPr>
+          <p:nvPr/>
+        </p:nvSpPr>
+        <p:spPr bwMode="auto">
+          <a:xfrm>
+            <a:off x="2349500" y="2336799"/>
+            <a:ext cx="16953682" cy="45719"/>
+          </a:xfrm>
+          <a:prstGeom prst="rect">
+            <a:avLst/>
+          </a:prstGeom>
+          <a:noFill/>
+          <a:ln>
+            <a:noFill/>
+          </a:ln>
+          <a:effectLst/>
+          <a:extLst>
+            <a:ext uri="{909E8E84-426E-40DD-AFC4-6F175D3DCCD1}">
+              <a14:hiddenFill xmlns:a14="http://schemas.microsoft.com/office/drawing/2010/main">
+                <a:solidFill>
+                  <a:schemeClr val="accent1"/>
+                </a:solidFill>
+              </a14:hiddenFill>
+            </a:ext>
+            <a:ext uri="{91240B29-F687-4F45-9708-019B960494DF}">
+              <a14:hiddenLine xmlns:a14="http://schemas.microsoft.com/office/drawing/2010/main" w="9525">
+                <a:solidFill>
+                  <a:schemeClr val="tx1"/>
+                </a:solidFill>
+                <a:miter lim="800000"/>
+                <a:headEnd/>
+                <a:tailEnd/>
+              </a14:hiddenLine>
+            </a:ext>
+            <a:ext uri="{AF507438-7753-43E0-B8FC-AC1667EBCBE1}">
+              <a14:hiddenEffects xmlns:a14="http://schemas.microsoft.com/office/drawing/2010/main">
+                <a:effectLst>
+                  <a:outerShdw dist="35921" dir="2700000" algn="ctr" rotWithShape="0">
+                    <a:schemeClr val="bg2"/>
+                  </a:outerShdw>
+                </a:effectLst>
+              </a14:hiddenEffects>
+            </a:ext>
+          </a:extLst>
+        </p:spPr>
+        <p:txBody>
+          <a:bodyPr vert="horz" wrap="square" lIns="91440" tIns="45720" rIns="91440" bIns="45720" numCol="1" anchor="ctr" anchorCtr="0" compatLnSpc="1">
+            <a:prstTxWarp prst="textNoShape">
+              <a:avLst/>
+            </a:prstTxWarp>
+            <a:spAutoFit/>
+          </a:bodyPr>
+          <a:lstStyle/>
+          <a:p>
+            <a:endParaRPr lang="en-US"/>
+          </a:p>
+        </p:txBody>
+      </p:sp>
+      <p:sp>
+        <p:nvSpPr>
+          <p:cNvPr id="4" name="Rectangle 2">
+            <a:extLst>
+              <a:ext uri="{FF2B5EF4-FFF2-40B4-BE49-F238E27FC236}">
+                <a16:creationId xmlns:a16="http://schemas.microsoft.com/office/drawing/2014/main" id="{16EC4385-CD8C-40D7-B589-EF07F355A1C5}"/>
+              </a:ext>
+            </a:extLst>
+          </p:cNvPr>
+          <p:cNvSpPr>
+            <a:spLocks noChangeArrowheads="1"/>
+          </p:cNvSpPr>
+          <p:nvPr/>
+        </p:nvSpPr>
+        <p:spPr bwMode="auto">
+          <a:xfrm flipV="1">
+            <a:off x="-3334138" y="3480252"/>
+            <a:ext cx="20154121" cy="45719"/>
+          </a:xfrm>
+          <a:prstGeom prst="rect">
+            <a:avLst/>
+          </a:prstGeom>
+          <a:noFill/>
+          <a:ln>
+            <a:noFill/>
+          </a:ln>
+          <a:effectLst/>
+          <a:extLst>
+            <a:ext uri="{909E8E84-426E-40DD-AFC4-6F175D3DCCD1}">
+              <a14:hiddenFill xmlns:a14="http://schemas.microsoft.com/office/drawing/2010/main">
+                <a:solidFill>
+                  <a:schemeClr val="accent1"/>
+                </a:solidFill>
+              </a14:hiddenFill>
+            </a:ext>
+            <a:ext uri="{91240B29-F687-4F45-9708-019B960494DF}">
+              <a14:hiddenLine xmlns:a14="http://schemas.microsoft.com/office/drawing/2010/main" w="9525">
+                <a:solidFill>
+                  <a:schemeClr val="tx1"/>
+                </a:solidFill>
+                <a:miter lim="800000"/>
+                <a:headEnd/>
+                <a:tailEnd/>
+              </a14:hiddenLine>
+            </a:ext>
+            <a:ext uri="{AF507438-7753-43E0-B8FC-AC1667EBCBE1}">
+              <a14:hiddenEffects xmlns:a14="http://schemas.microsoft.com/office/drawing/2010/main">
+                <a:effectLst>
+                  <a:outerShdw dist="35921" dir="2700000" algn="ctr" rotWithShape="0">
+                    <a:schemeClr val="bg2"/>
+                  </a:outerShdw>
+                </a:effectLst>
+              </a14:hiddenEffects>
+            </a:ext>
+          </a:extLst>
+        </p:spPr>
+        <p:txBody>
+          <a:bodyPr vert="horz" wrap="square" lIns="91440" tIns="45720" rIns="91440" bIns="45720" numCol="1" anchor="ctr" anchorCtr="0" compatLnSpc="1">
+            <a:prstTxWarp prst="textNoShape">
+              <a:avLst/>
+            </a:prstTxWarp>
+            <a:spAutoFit/>
+          </a:bodyPr>
+          <a:lstStyle/>
+          <a:p>
+            <a:endParaRPr lang="en-US"/>
+          </a:p>
+        </p:txBody>
+      </p:sp>
+      <p:pic>
+        <p:nvPicPr>
+          <p:cNvPr id="8" name="Picture 7">
+            <a:extLst>
+              <a:ext uri="{FF2B5EF4-FFF2-40B4-BE49-F238E27FC236}">
+                <a16:creationId xmlns:a16="http://schemas.microsoft.com/office/drawing/2014/main" id="{6A73BA0C-A4A8-44E1-ACAD-E59421001CB0}"/>
+              </a:ext>
+            </a:extLst>
+          </p:cNvPr>
+          <p:cNvPicPr/>
+          <p:nvPr/>
+        </p:nvPicPr>
+        <p:blipFill>
+          <a:blip r:embed="rId2">
+            <a:extLst>
+              <a:ext uri="{28A0092B-C50C-407E-A947-70E740481C1C}">
+                <a14:useLocalDpi xmlns:a14="http://schemas.microsoft.com/office/drawing/2010/main" val="0"/>
+              </a:ext>
+            </a:extLst>
+          </a:blip>
+          <a:srcRect/>
+          <a:stretch>
+            <a:fillRect/>
+          </a:stretch>
+        </p:blipFill>
+        <p:spPr bwMode="auto">
+          <a:xfrm>
+            <a:off x="1959430" y="2517455"/>
+            <a:ext cx="7298190" cy="3144475"/>
+          </a:xfrm>
+          <a:prstGeom prst="rect">
+            <a:avLst/>
+          </a:prstGeom>
+          <a:noFill/>
+          <a:ln>
+            <a:noFill/>
+          </a:ln>
+        </p:spPr>
+      </p:pic>
+    </p:spTree>
+    <p:extLst>
+      <p:ext uri="{BB962C8B-B14F-4D97-AF65-F5344CB8AC3E}">
+        <p14:creationId xmlns:p14="http://schemas.microsoft.com/office/powerpoint/2010/main" val="3180436392"/>
+      </p:ext>
+    </p:extLst>
+  </p:cSld>
+  <p:clrMapOvr>
+    <a:masterClrMapping/>
+  </p:clrMapOvr>
+</p:sld>
+</file>
+
+<file path=ppt/slides/slide22.xml><?xml version="1.0" encoding="utf-8"?>
 <p:sld xmlns:a="http://schemas.openxmlformats.org/drawingml/2006/main" xmlns:r="http://schemas.openxmlformats.org/officeDocument/2006/relationships" xmlns:p="http://schemas.openxmlformats.org/presentationml/2006/main">
   <p:cSld>
     <p:spTree>
@@ -7746,7 +8288,7 @@
 </p:sld>
 </file>
 
-<file path=ppt/slides/slide22.xml><?xml version="1.0" encoding="utf-8"?>
+<file path=ppt/slides/slide23.xml><?xml version="1.0" encoding="utf-8"?>
 <p:sld xmlns:a="http://schemas.openxmlformats.org/drawingml/2006/main" xmlns:r="http://schemas.openxmlformats.org/officeDocument/2006/relationships" xmlns:p="http://schemas.openxmlformats.org/presentationml/2006/main">
   <p:cSld>
     <p:spTree>
@@ -7958,7 +8500,7 @@
 </p:sld>
 </file>
 
-<file path=ppt/slides/slide23.xml><?xml version="1.0" encoding="utf-8"?>
+<file path=ppt/slides/slide24.xml><?xml version="1.0" encoding="utf-8"?>
 <p:sld xmlns:a="http://schemas.openxmlformats.org/drawingml/2006/main" xmlns:r="http://schemas.openxmlformats.org/officeDocument/2006/relationships" xmlns:p="http://schemas.openxmlformats.org/presentationml/2006/main">
   <p:cSld>
     <p:spTree>

--- a/Capstone 3/Capstone3_presentation.pptx
+++ b/Capstone 3/Capstone3_presentation.pptx
@@ -16,19 +16,12 @@
     <p:sldId id="272" r:id="rId10"/>
     <p:sldId id="273" r:id="rId11"/>
     <p:sldId id="274" r:id="rId12"/>
-    <p:sldId id="275" r:id="rId13"/>
-    <p:sldId id="276" r:id="rId14"/>
-    <p:sldId id="277" r:id="rId15"/>
-    <p:sldId id="278" r:id="rId16"/>
-    <p:sldId id="279" r:id="rId17"/>
-    <p:sldId id="280" r:id="rId18"/>
-    <p:sldId id="281" r:id="rId19"/>
-    <p:sldId id="262" r:id="rId20"/>
-    <p:sldId id="268" r:id="rId21"/>
-    <p:sldId id="282" r:id="rId22"/>
-    <p:sldId id="261" r:id="rId23"/>
-    <p:sldId id="269" r:id="rId24"/>
-    <p:sldId id="260" r:id="rId25"/>
+    <p:sldId id="262" r:id="rId13"/>
+    <p:sldId id="268" r:id="rId14"/>
+    <p:sldId id="282" r:id="rId15"/>
+    <p:sldId id="261" r:id="rId16"/>
+    <p:sldId id="269" r:id="rId17"/>
+    <p:sldId id="260" r:id="rId18"/>
   </p:sldIdLst>
   <p:sldSz cx="12192000" cy="6858000"/>
   <p:notesSz cx="6858000" cy="9144000"/>
@@ -282,7 +275,7 @@
           <a:p>
             <a:fld id="{18915525-0BFD-461F-92BF-C0559C232D6C}" type="datetimeFigureOut">
               <a:rPr lang="en-US" smtClean="0"/>
-              <a:t>2/22/2021</a:t>
+              <a:t>2/23/2021</a:t>
             </a:fld>
             <a:endParaRPr lang="en-US"/>
           </a:p>
@@ -480,7 +473,7 @@
           <a:p>
             <a:fld id="{18915525-0BFD-461F-92BF-C0559C232D6C}" type="datetimeFigureOut">
               <a:rPr lang="en-US" smtClean="0"/>
-              <a:t>2/22/2021</a:t>
+              <a:t>2/23/2021</a:t>
             </a:fld>
             <a:endParaRPr lang="en-US"/>
           </a:p>
@@ -688,7 +681,7 @@
           <a:p>
             <a:fld id="{18915525-0BFD-461F-92BF-C0559C232D6C}" type="datetimeFigureOut">
               <a:rPr lang="en-US" smtClean="0"/>
-              <a:t>2/22/2021</a:t>
+              <a:t>2/23/2021</a:t>
             </a:fld>
             <a:endParaRPr lang="en-US"/>
           </a:p>
@@ -886,7 +879,7 @@
           <a:p>
             <a:fld id="{18915525-0BFD-461F-92BF-C0559C232D6C}" type="datetimeFigureOut">
               <a:rPr lang="en-US" smtClean="0"/>
-              <a:t>2/22/2021</a:t>
+              <a:t>2/23/2021</a:t>
             </a:fld>
             <a:endParaRPr lang="en-US"/>
           </a:p>
@@ -1161,7 +1154,7 @@
           <a:p>
             <a:fld id="{18915525-0BFD-461F-92BF-C0559C232D6C}" type="datetimeFigureOut">
               <a:rPr lang="en-US" smtClean="0"/>
-              <a:t>2/22/2021</a:t>
+              <a:t>2/23/2021</a:t>
             </a:fld>
             <a:endParaRPr lang="en-US"/>
           </a:p>
@@ -1426,7 +1419,7 @@
           <a:p>
             <a:fld id="{18915525-0BFD-461F-92BF-C0559C232D6C}" type="datetimeFigureOut">
               <a:rPr lang="en-US" smtClean="0"/>
-              <a:t>2/22/2021</a:t>
+              <a:t>2/23/2021</a:t>
             </a:fld>
             <a:endParaRPr lang="en-US"/>
           </a:p>
@@ -1838,7 +1831,7 @@
           <a:p>
             <a:fld id="{18915525-0BFD-461F-92BF-C0559C232D6C}" type="datetimeFigureOut">
               <a:rPr lang="en-US" smtClean="0"/>
-              <a:t>2/22/2021</a:t>
+              <a:t>2/23/2021</a:t>
             </a:fld>
             <a:endParaRPr lang="en-US"/>
           </a:p>
@@ -1979,7 +1972,7 @@
           <a:p>
             <a:fld id="{18915525-0BFD-461F-92BF-C0559C232D6C}" type="datetimeFigureOut">
               <a:rPr lang="en-US" smtClean="0"/>
-              <a:t>2/22/2021</a:t>
+              <a:t>2/23/2021</a:t>
             </a:fld>
             <a:endParaRPr lang="en-US"/>
           </a:p>
@@ -2092,7 +2085,7 @@
           <a:p>
             <a:fld id="{18915525-0BFD-461F-92BF-C0559C232D6C}" type="datetimeFigureOut">
               <a:rPr lang="en-US" smtClean="0"/>
-              <a:t>2/22/2021</a:t>
+              <a:t>2/23/2021</a:t>
             </a:fld>
             <a:endParaRPr lang="en-US"/>
           </a:p>
@@ -2403,7 +2396,7 @@
           <a:p>
             <a:fld id="{18915525-0BFD-461F-92BF-C0559C232D6C}" type="datetimeFigureOut">
               <a:rPr lang="en-US" smtClean="0"/>
-              <a:t>2/22/2021</a:t>
+              <a:t>2/23/2021</a:t>
             </a:fld>
             <a:endParaRPr lang="en-US"/>
           </a:p>
@@ -2691,7 +2684,7 @@
           <a:p>
             <a:fld id="{18915525-0BFD-461F-92BF-C0559C232D6C}" type="datetimeFigureOut">
               <a:rPr lang="en-US" smtClean="0"/>
-              <a:t>2/22/2021</a:t>
+              <a:t>2/23/2021</a:t>
             </a:fld>
             <a:endParaRPr lang="en-US"/>
           </a:p>
@@ -2932,7 +2925,7 @@
           <a:p>
             <a:fld id="{18915525-0BFD-461F-92BF-C0559C232D6C}" type="datetimeFigureOut">
               <a:rPr lang="en-US" smtClean="0"/>
-              <a:t>2/22/2021</a:t>
+              <a:t>2/23/2021</a:t>
             </a:fld>
             <a:endParaRPr lang="en-US"/>
           </a:p>
@@ -3460,16 +3453,6 @@
           <a:bodyPr/>
           <a:lstStyle/>
           <a:p>
-            <a:r>
-              <a:rPr lang="en-US" b="0" i="0" dirty="0">
-                <a:solidFill>
-                  <a:srgbClr val="333333"/>
-                </a:solidFill>
-                <a:effectLst/>
-                <a:latin typeface="Roboto"/>
-              </a:rPr>
-              <a:t>Hitter</a:t>
-            </a:r>
             <a:br>
               <a:rPr lang="en-US" b="0" i="0" dirty="0">
                 <a:solidFill>
@@ -3686,16 +3669,6 @@
           <a:bodyPr/>
           <a:lstStyle/>
           <a:p>
-            <a:r>
-              <a:rPr lang="en-US" b="0" i="0" dirty="0">
-                <a:solidFill>
-                  <a:srgbClr val="333333"/>
-                </a:solidFill>
-                <a:effectLst/>
-                <a:latin typeface="Roboto"/>
-              </a:rPr>
-              <a:t>Hitter</a:t>
-            </a:r>
             <a:br>
               <a:rPr lang="en-US" b="0" i="0" dirty="0">
                 <a:solidFill>
@@ -3862,2811 +3835,6 @@
           <p:cNvPr id="2" name="Title 1">
             <a:extLst>
               <a:ext uri="{FF2B5EF4-FFF2-40B4-BE49-F238E27FC236}">
-                <a16:creationId xmlns:a16="http://schemas.microsoft.com/office/drawing/2014/main" id="{C5B665DA-5B72-4831-B00E-78D6CC53BEE9}"/>
-              </a:ext>
-            </a:extLst>
-          </p:cNvPr>
-          <p:cNvSpPr>
-            <a:spLocks noGrp="1"/>
-          </p:cNvSpPr>
-          <p:nvPr>
-            <p:ph type="title"/>
-          </p:nvPr>
-        </p:nvSpPr>
-        <p:spPr/>
-        <p:txBody>
-          <a:bodyPr/>
-          <a:lstStyle/>
-          <a:p>
-            <a:r>
-              <a:rPr lang="en-US" b="0" i="0" dirty="0">
-                <a:solidFill>
-                  <a:srgbClr val="333333"/>
-                </a:solidFill>
-                <a:effectLst/>
-                <a:latin typeface="Roboto"/>
-              </a:rPr>
-              <a:t>Pitcher</a:t>
-            </a:r>
-            <a:br>
-              <a:rPr lang="en-US" b="0" i="0" dirty="0">
-                <a:solidFill>
-                  <a:srgbClr val="333333"/>
-                </a:solidFill>
-                <a:effectLst/>
-                <a:latin typeface="Roboto"/>
-              </a:rPr>
-            </a:br>
-            <a:r>
-              <a:rPr lang="en-US" b="0" i="0" dirty="0">
-                <a:solidFill>
-                  <a:srgbClr val="333333"/>
-                </a:solidFill>
-                <a:effectLst/>
-                <a:latin typeface="Roboto"/>
-              </a:rPr>
-              <a:t>Recommendation and key findings</a:t>
-            </a:r>
-            <a:endParaRPr lang="en-US" dirty="0"/>
-          </a:p>
-        </p:txBody>
-      </p:sp>
-      <p:sp>
-        <p:nvSpPr>
-          <p:cNvPr id="6" name="Rectangle 4">
-            <a:extLst>
-              <a:ext uri="{FF2B5EF4-FFF2-40B4-BE49-F238E27FC236}">
-                <a16:creationId xmlns:a16="http://schemas.microsoft.com/office/drawing/2014/main" id="{48FB218B-60CA-413C-8471-C68E1F188AAB}"/>
-              </a:ext>
-            </a:extLst>
-          </p:cNvPr>
-          <p:cNvSpPr>
-            <a:spLocks noChangeArrowheads="1"/>
-          </p:cNvSpPr>
-          <p:nvPr/>
-        </p:nvSpPr>
-        <p:spPr bwMode="auto">
-          <a:xfrm>
-            <a:off x="1903445" y="2014537"/>
-            <a:ext cx="12192000" cy="0"/>
-          </a:xfrm>
-          <a:prstGeom prst="rect">
-            <a:avLst/>
-          </a:prstGeom>
-          <a:noFill/>
-          <a:ln>
-            <a:noFill/>
-          </a:ln>
-          <a:effectLst/>
-          <a:extLst>
-            <a:ext uri="{909E8E84-426E-40DD-AFC4-6F175D3DCCD1}">
-              <a14:hiddenFill xmlns:a14="http://schemas.microsoft.com/office/drawing/2010/main">
-                <a:solidFill>
-                  <a:schemeClr val="accent1"/>
-                </a:solidFill>
-              </a14:hiddenFill>
-            </a:ext>
-            <a:ext uri="{91240B29-F687-4F45-9708-019B960494DF}">
-              <a14:hiddenLine xmlns:a14="http://schemas.microsoft.com/office/drawing/2010/main" w="9525">
-                <a:solidFill>
-                  <a:schemeClr val="tx1"/>
-                </a:solidFill>
-                <a:miter lim="800000"/>
-                <a:headEnd/>
-                <a:tailEnd/>
-              </a14:hiddenLine>
-            </a:ext>
-            <a:ext uri="{AF507438-7753-43E0-B8FC-AC1667EBCBE1}">
-              <a14:hiddenEffects xmlns:a14="http://schemas.microsoft.com/office/drawing/2010/main">
-                <a:effectLst>
-                  <a:outerShdw dist="35921" dir="2700000" algn="ctr" rotWithShape="0">
-                    <a:schemeClr val="bg2"/>
-                  </a:outerShdw>
-                </a:effectLst>
-              </a14:hiddenEffects>
-            </a:ext>
-          </a:extLst>
-        </p:spPr>
-        <p:txBody>
-          <a:bodyPr vert="horz" wrap="none" lIns="91440" tIns="45720" rIns="91440" bIns="45720" numCol="1" anchor="ctr" anchorCtr="0" compatLnSpc="1">
-            <a:prstTxWarp prst="textNoShape">
-              <a:avLst/>
-            </a:prstTxWarp>
-            <a:spAutoFit/>
-          </a:bodyPr>
-          <a:lstStyle/>
-          <a:p>
-            <a:endParaRPr lang="en-US"/>
-          </a:p>
-        </p:txBody>
-      </p:sp>
-      <p:sp>
-        <p:nvSpPr>
-          <p:cNvPr id="3" name="Rectangle 2">
-            <a:extLst>
-              <a:ext uri="{FF2B5EF4-FFF2-40B4-BE49-F238E27FC236}">
-                <a16:creationId xmlns:a16="http://schemas.microsoft.com/office/drawing/2014/main" id="{96508F3D-9B27-41AE-BD3B-5AEC7D6FBCC8}"/>
-              </a:ext>
-            </a:extLst>
-          </p:cNvPr>
-          <p:cNvSpPr>
-            <a:spLocks noChangeArrowheads="1"/>
-          </p:cNvSpPr>
-          <p:nvPr/>
-        </p:nvSpPr>
-        <p:spPr bwMode="auto">
-          <a:xfrm flipV="1">
-            <a:off x="-3014232" y="3863974"/>
-            <a:ext cx="19983506" cy="45719"/>
-          </a:xfrm>
-          <a:prstGeom prst="rect">
-            <a:avLst/>
-          </a:prstGeom>
-          <a:noFill/>
-          <a:ln>
-            <a:noFill/>
-          </a:ln>
-          <a:effectLst/>
-          <a:extLst>
-            <a:ext uri="{909E8E84-426E-40DD-AFC4-6F175D3DCCD1}">
-              <a14:hiddenFill xmlns:a14="http://schemas.microsoft.com/office/drawing/2010/main">
-                <a:solidFill>
-                  <a:schemeClr val="accent1"/>
-                </a:solidFill>
-              </a14:hiddenFill>
-            </a:ext>
-            <a:ext uri="{91240B29-F687-4F45-9708-019B960494DF}">
-              <a14:hiddenLine xmlns:a14="http://schemas.microsoft.com/office/drawing/2010/main" w="9525">
-                <a:solidFill>
-                  <a:schemeClr val="tx1"/>
-                </a:solidFill>
-                <a:miter lim="800000"/>
-                <a:headEnd/>
-                <a:tailEnd/>
-              </a14:hiddenLine>
-            </a:ext>
-            <a:ext uri="{AF507438-7753-43E0-B8FC-AC1667EBCBE1}">
-              <a14:hiddenEffects xmlns:a14="http://schemas.microsoft.com/office/drawing/2010/main">
-                <a:effectLst>
-                  <a:outerShdw dist="35921" dir="2700000" algn="ctr" rotWithShape="0">
-                    <a:schemeClr val="bg2"/>
-                  </a:outerShdw>
-                </a:effectLst>
-              </a14:hiddenEffects>
-            </a:ext>
-          </a:extLst>
-        </p:spPr>
-        <p:txBody>
-          <a:bodyPr vert="horz" wrap="square" lIns="91440" tIns="45720" rIns="91440" bIns="45720" numCol="1" anchor="ctr" anchorCtr="0" compatLnSpc="1">
-            <a:prstTxWarp prst="textNoShape">
-              <a:avLst/>
-            </a:prstTxWarp>
-            <a:spAutoFit/>
-          </a:bodyPr>
-          <a:lstStyle/>
-          <a:p>
-            <a:endParaRPr lang="en-US"/>
-          </a:p>
-        </p:txBody>
-      </p:sp>
-      <p:graphicFrame>
-        <p:nvGraphicFramePr>
-          <p:cNvPr id="4" name="Object 3">
-            <a:extLst>
-              <a:ext uri="{FF2B5EF4-FFF2-40B4-BE49-F238E27FC236}">
-                <a16:creationId xmlns:a16="http://schemas.microsoft.com/office/drawing/2014/main" id="{317AB937-C626-48D2-982E-083E3CF77E3F}"/>
-              </a:ext>
-            </a:extLst>
-          </p:cNvPr>
-          <p:cNvGraphicFramePr>
-            <a:graphicFrameLocks noChangeAspect="1"/>
-          </p:cNvGraphicFramePr>
-          <p:nvPr>
-            <p:extLst>
-              <p:ext uri="{D42A27DB-BD31-4B8C-83A1-F6EECF244321}">
-                <p14:modId xmlns:p14="http://schemas.microsoft.com/office/powerpoint/2010/main" val="2797865730"/>
-              </p:ext>
-            </p:extLst>
-          </p:nvPr>
-        </p:nvGraphicFramePr>
-        <p:xfrm>
-          <a:off x="2220686" y="2183931"/>
-          <a:ext cx="6557088" cy="4308944"/>
-        </p:xfrm>
-        <a:graphic>
-          <a:graphicData uri="http://schemas.openxmlformats.org/presentationml/2006/ole">
-            <mc:AlternateContent xmlns:mc="http://schemas.openxmlformats.org/markup-compatibility/2006">
-              <mc:Choice xmlns:v="urn:schemas-microsoft-com:vml" Requires="v">
-                <p:oleObj name="Bitmap Image" r:id="rId2" imgW="4001058" imgH="2629267" progId="Paint.Picture">
-                  <p:embed/>
-                </p:oleObj>
-              </mc:Choice>
-              <mc:Fallback>
-                <p:oleObj name="Bitmap Image" r:id="rId2" imgW="4001058" imgH="2629267" progId="Paint.Picture">
-                  <p:embed/>
-                  <p:pic>
-                    <p:nvPicPr>
-                      <p:cNvPr id="0" name="Object 1"/>
-                      <p:cNvPicPr>
-                        <a:picLocks noChangeAspect="1" noChangeArrowheads="1"/>
-                      </p:cNvPicPr>
-                      <p:nvPr/>
-                    </p:nvPicPr>
-                    <p:blipFill>
-                      <a:blip r:embed="rId3">
-                        <a:extLst>
-                          <a:ext uri="{28A0092B-C50C-407E-A947-70E740481C1C}">
-                            <a14:useLocalDpi xmlns:a14="http://schemas.microsoft.com/office/drawing/2010/main" val="0"/>
-                          </a:ext>
-                        </a:extLst>
-                      </a:blip>
-                      <a:srcRect/>
-                      <a:stretch>
-                        <a:fillRect/>
-                      </a:stretch>
-                    </p:blipFill>
-                    <p:spPr bwMode="auto">
-                      <a:xfrm>
-                        <a:off x="2220686" y="2183931"/>
-                        <a:ext cx="6557088" cy="4308944"/>
-                      </a:xfrm>
-                      <a:prstGeom prst="rect">
-                        <a:avLst/>
-                      </a:prstGeom>
-                      <a:noFill/>
-                    </p:spPr>
-                  </p:pic>
-                </p:oleObj>
-              </mc:Fallback>
-            </mc:AlternateContent>
-          </a:graphicData>
-        </a:graphic>
-      </p:graphicFrame>
-    </p:spTree>
-    <p:extLst>
-      <p:ext uri="{BB962C8B-B14F-4D97-AF65-F5344CB8AC3E}">
-        <p14:creationId xmlns:p14="http://schemas.microsoft.com/office/powerpoint/2010/main" val="1147905624"/>
-      </p:ext>
-    </p:extLst>
-  </p:cSld>
-  <p:clrMapOvr>
-    <a:masterClrMapping/>
-  </p:clrMapOvr>
-</p:sld>
-</file>
-
-<file path=ppt/slides/slide13.xml><?xml version="1.0" encoding="utf-8"?>
-<p:sld xmlns:a="http://schemas.openxmlformats.org/drawingml/2006/main" xmlns:r="http://schemas.openxmlformats.org/officeDocument/2006/relationships" xmlns:p="http://schemas.openxmlformats.org/presentationml/2006/main">
-  <p:cSld>
-    <p:spTree>
-      <p:nvGrpSpPr>
-        <p:cNvPr id="1" name=""/>
-        <p:cNvGrpSpPr/>
-        <p:nvPr/>
-      </p:nvGrpSpPr>
-      <p:grpSpPr>
-        <a:xfrm>
-          <a:off x="0" y="0"/>
-          <a:ext cx="0" cy="0"/>
-          <a:chOff x="0" y="0"/>
-          <a:chExt cx="0" cy="0"/>
-        </a:xfrm>
-      </p:grpSpPr>
-      <p:sp>
-        <p:nvSpPr>
-          <p:cNvPr id="2" name="Title 1">
-            <a:extLst>
-              <a:ext uri="{FF2B5EF4-FFF2-40B4-BE49-F238E27FC236}">
-                <a16:creationId xmlns:a16="http://schemas.microsoft.com/office/drawing/2014/main" id="{C5B665DA-5B72-4831-B00E-78D6CC53BEE9}"/>
-              </a:ext>
-            </a:extLst>
-          </p:cNvPr>
-          <p:cNvSpPr>
-            <a:spLocks noGrp="1"/>
-          </p:cNvSpPr>
-          <p:nvPr>
-            <p:ph type="title"/>
-          </p:nvPr>
-        </p:nvSpPr>
-        <p:spPr/>
-        <p:txBody>
-          <a:bodyPr/>
-          <a:lstStyle/>
-          <a:p>
-            <a:r>
-              <a:rPr lang="en-US" b="0" i="0" dirty="0">
-                <a:solidFill>
-                  <a:srgbClr val="333333"/>
-                </a:solidFill>
-                <a:effectLst/>
-                <a:latin typeface="Roboto"/>
-              </a:rPr>
-              <a:t>Pitcher</a:t>
-            </a:r>
-            <a:br>
-              <a:rPr lang="en-US" b="0" i="0" dirty="0">
-                <a:solidFill>
-                  <a:srgbClr val="333333"/>
-                </a:solidFill>
-                <a:effectLst/>
-                <a:latin typeface="Roboto"/>
-              </a:rPr>
-            </a:br>
-            <a:r>
-              <a:rPr lang="en-US" b="0" i="0" dirty="0">
-                <a:solidFill>
-                  <a:srgbClr val="333333"/>
-                </a:solidFill>
-                <a:effectLst/>
-                <a:latin typeface="Roboto"/>
-              </a:rPr>
-              <a:t>Recommendation and key findings</a:t>
-            </a:r>
-            <a:endParaRPr lang="en-US" dirty="0"/>
-          </a:p>
-        </p:txBody>
-      </p:sp>
-      <p:sp>
-        <p:nvSpPr>
-          <p:cNvPr id="6" name="Rectangle 4">
-            <a:extLst>
-              <a:ext uri="{FF2B5EF4-FFF2-40B4-BE49-F238E27FC236}">
-                <a16:creationId xmlns:a16="http://schemas.microsoft.com/office/drawing/2014/main" id="{48FB218B-60CA-413C-8471-C68E1F188AAB}"/>
-              </a:ext>
-            </a:extLst>
-          </p:cNvPr>
-          <p:cNvSpPr>
-            <a:spLocks noChangeArrowheads="1"/>
-          </p:cNvSpPr>
-          <p:nvPr/>
-        </p:nvSpPr>
-        <p:spPr bwMode="auto">
-          <a:xfrm>
-            <a:off x="1903445" y="2014537"/>
-            <a:ext cx="12192000" cy="0"/>
-          </a:xfrm>
-          <a:prstGeom prst="rect">
-            <a:avLst/>
-          </a:prstGeom>
-          <a:noFill/>
-          <a:ln>
-            <a:noFill/>
-          </a:ln>
-          <a:effectLst/>
-          <a:extLst>
-            <a:ext uri="{909E8E84-426E-40DD-AFC4-6F175D3DCCD1}">
-              <a14:hiddenFill xmlns:a14="http://schemas.microsoft.com/office/drawing/2010/main">
-                <a:solidFill>
-                  <a:schemeClr val="accent1"/>
-                </a:solidFill>
-              </a14:hiddenFill>
-            </a:ext>
-            <a:ext uri="{91240B29-F687-4F45-9708-019B960494DF}">
-              <a14:hiddenLine xmlns:a14="http://schemas.microsoft.com/office/drawing/2010/main" w="9525">
-                <a:solidFill>
-                  <a:schemeClr val="tx1"/>
-                </a:solidFill>
-                <a:miter lim="800000"/>
-                <a:headEnd/>
-                <a:tailEnd/>
-              </a14:hiddenLine>
-            </a:ext>
-            <a:ext uri="{AF507438-7753-43E0-B8FC-AC1667EBCBE1}">
-              <a14:hiddenEffects xmlns:a14="http://schemas.microsoft.com/office/drawing/2010/main">
-                <a:effectLst>
-                  <a:outerShdw dist="35921" dir="2700000" algn="ctr" rotWithShape="0">
-                    <a:schemeClr val="bg2"/>
-                  </a:outerShdw>
-                </a:effectLst>
-              </a14:hiddenEffects>
-            </a:ext>
-          </a:extLst>
-        </p:spPr>
-        <p:txBody>
-          <a:bodyPr vert="horz" wrap="none" lIns="91440" tIns="45720" rIns="91440" bIns="45720" numCol="1" anchor="ctr" anchorCtr="0" compatLnSpc="1">
-            <a:prstTxWarp prst="textNoShape">
-              <a:avLst/>
-            </a:prstTxWarp>
-            <a:spAutoFit/>
-          </a:bodyPr>
-          <a:lstStyle/>
-          <a:p>
-            <a:endParaRPr lang="en-US"/>
-          </a:p>
-        </p:txBody>
-      </p:sp>
-      <p:sp>
-        <p:nvSpPr>
-          <p:cNvPr id="3" name="Rectangle 2">
-            <a:extLst>
-              <a:ext uri="{FF2B5EF4-FFF2-40B4-BE49-F238E27FC236}">
-                <a16:creationId xmlns:a16="http://schemas.microsoft.com/office/drawing/2014/main" id="{96508F3D-9B27-41AE-BD3B-5AEC7D6FBCC8}"/>
-              </a:ext>
-            </a:extLst>
-          </p:cNvPr>
-          <p:cNvSpPr>
-            <a:spLocks noChangeArrowheads="1"/>
-          </p:cNvSpPr>
-          <p:nvPr/>
-        </p:nvSpPr>
-        <p:spPr bwMode="auto">
-          <a:xfrm flipV="1">
-            <a:off x="-3014232" y="3863974"/>
-            <a:ext cx="19983506" cy="45719"/>
-          </a:xfrm>
-          <a:prstGeom prst="rect">
-            <a:avLst/>
-          </a:prstGeom>
-          <a:noFill/>
-          <a:ln>
-            <a:noFill/>
-          </a:ln>
-          <a:effectLst/>
-          <a:extLst>
-            <a:ext uri="{909E8E84-426E-40DD-AFC4-6F175D3DCCD1}">
-              <a14:hiddenFill xmlns:a14="http://schemas.microsoft.com/office/drawing/2010/main">
-                <a:solidFill>
-                  <a:schemeClr val="accent1"/>
-                </a:solidFill>
-              </a14:hiddenFill>
-            </a:ext>
-            <a:ext uri="{91240B29-F687-4F45-9708-019B960494DF}">
-              <a14:hiddenLine xmlns:a14="http://schemas.microsoft.com/office/drawing/2010/main" w="9525">
-                <a:solidFill>
-                  <a:schemeClr val="tx1"/>
-                </a:solidFill>
-                <a:miter lim="800000"/>
-                <a:headEnd/>
-                <a:tailEnd/>
-              </a14:hiddenLine>
-            </a:ext>
-            <a:ext uri="{AF507438-7753-43E0-B8FC-AC1667EBCBE1}">
-              <a14:hiddenEffects xmlns:a14="http://schemas.microsoft.com/office/drawing/2010/main">
-                <a:effectLst>
-                  <a:outerShdw dist="35921" dir="2700000" algn="ctr" rotWithShape="0">
-                    <a:schemeClr val="bg2"/>
-                  </a:outerShdw>
-                </a:effectLst>
-              </a14:hiddenEffects>
-            </a:ext>
-          </a:extLst>
-        </p:spPr>
-        <p:txBody>
-          <a:bodyPr vert="horz" wrap="square" lIns="91440" tIns="45720" rIns="91440" bIns="45720" numCol="1" anchor="ctr" anchorCtr="0" compatLnSpc="1">
-            <a:prstTxWarp prst="textNoShape">
-              <a:avLst/>
-            </a:prstTxWarp>
-            <a:spAutoFit/>
-          </a:bodyPr>
-          <a:lstStyle/>
-          <a:p>
-            <a:endParaRPr lang="en-US"/>
-          </a:p>
-        </p:txBody>
-      </p:sp>
-      <p:sp>
-        <p:nvSpPr>
-          <p:cNvPr id="5" name="Rectangle 2">
-            <a:extLst>
-              <a:ext uri="{FF2B5EF4-FFF2-40B4-BE49-F238E27FC236}">
-                <a16:creationId xmlns:a16="http://schemas.microsoft.com/office/drawing/2014/main" id="{49D1EC6E-71C2-492E-80F9-845E90CEEA24}"/>
-              </a:ext>
-            </a:extLst>
-          </p:cNvPr>
-          <p:cNvSpPr>
-            <a:spLocks noChangeArrowheads="1"/>
-          </p:cNvSpPr>
-          <p:nvPr/>
-        </p:nvSpPr>
-        <p:spPr bwMode="auto">
-          <a:xfrm flipV="1">
-            <a:off x="-3187550" y="3883547"/>
-            <a:ext cx="20586032" cy="45719"/>
-          </a:xfrm>
-          <a:prstGeom prst="rect">
-            <a:avLst/>
-          </a:prstGeom>
-          <a:noFill/>
-          <a:ln>
-            <a:noFill/>
-          </a:ln>
-          <a:effectLst/>
-          <a:extLst>
-            <a:ext uri="{909E8E84-426E-40DD-AFC4-6F175D3DCCD1}">
-              <a14:hiddenFill xmlns:a14="http://schemas.microsoft.com/office/drawing/2010/main">
-                <a:solidFill>
-                  <a:schemeClr val="accent1"/>
-                </a:solidFill>
-              </a14:hiddenFill>
-            </a:ext>
-            <a:ext uri="{91240B29-F687-4F45-9708-019B960494DF}">
-              <a14:hiddenLine xmlns:a14="http://schemas.microsoft.com/office/drawing/2010/main" w="9525">
-                <a:solidFill>
-                  <a:schemeClr val="tx1"/>
-                </a:solidFill>
-                <a:miter lim="800000"/>
-                <a:headEnd/>
-                <a:tailEnd/>
-              </a14:hiddenLine>
-            </a:ext>
-            <a:ext uri="{AF507438-7753-43E0-B8FC-AC1667EBCBE1}">
-              <a14:hiddenEffects xmlns:a14="http://schemas.microsoft.com/office/drawing/2010/main">
-                <a:effectLst>
-                  <a:outerShdw dist="35921" dir="2700000" algn="ctr" rotWithShape="0">
-                    <a:schemeClr val="bg2"/>
-                  </a:outerShdw>
-                </a:effectLst>
-              </a14:hiddenEffects>
-            </a:ext>
-          </a:extLst>
-        </p:spPr>
-        <p:txBody>
-          <a:bodyPr vert="horz" wrap="square" lIns="91440" tIns="45720" rIns="91440" bIns="45720" numCol="1" anchor="ctr" anchorCtr="0" compatLnSpc="1">
-            <a:prstTxWarp prst="textNoShape">
-              <a:avLst/>
-            </a:prstTxWarp>
-            <a:spAutoFit/>
-          </a:bodyPr>
-          <a:lstStyle/>
-          <a:p>
-            <a:endParaRPr lang="en-US"/>
-          </a:p>
-        </p:txBody>
-      </p:sp>
-      <p:graphicFrame>
-        <p:nvGraphicFramePr>
-          <p:cNvPr id="7" name="Object 6">
-            <a:extLst>
-              <a:ext uri="{FF2B5EF4-FFF2-40B4-BE49-F238E27FC236}">
-                <a16:creationId xmlns:a16="http://schemas.microsoft.com/office/drawing/2014/main" id="{0B734B64-1807-4D01-9665-AE79FCF1F7C4}"/>
-              </a:ext>
-            </a:extLst>
-          </p:cNvPr>
-          <p:cNvGraphicFramePr>
-            <a:graphicFrameLocks noChangeAspect="1"/>
-          </p:cNvGraphicFramePr>
-          <p:nvPr>
-            <p:extLst>
-              <p:ext uri="{D42A27DB-BD31-4B8C-83A1-F6EECF244321}">
-                <p14:modId xmlns:p14="http://schemas.microsoft.com/office/powerpoint/2010/main" val="3851978695"/>
-              </p:ext>
-            </p:extLst>
-          </p:nvPr>
-        </p:nvGraphicFramePr>
-        <p:xfrm>
-          <a:off x="2425959" y="1706346"/>
-          <a:ext cx="6819123" cy="5339502"/>
-        </p:xfrm>
-        <a:graphic>
-          <a:graphicData uri="http://schemas.openxmlformats.org/presentationml/2006/ole">
-            <mc:AlternateContent xmlns:mc="http://schemas.openxmlformats.org/markup-compatibility/2006">
-              <mc:Choice xmlns:v="urn:schemas-microsoft-com:vml" Requires="v">
-                <p:oleObj name="Bitmap Image" r:id="rId2" imgW="4038095" imgH="3161905" progId="Paint.Picture">
-                  <p:embed/>
-                </p:oleObj>
-              </mc:Choice>
-              <mc:Fallback>
-                <p:oleObj name="Bitmap Image" r:id="rId2" imgW="4038095" imgH="3161905" progId="Paint.Picture">
-                  <p:embed/>
-                  <p:pic>
-                    <p:nvPicPr>
-                      <p:cNvPr id="0" name="Object 1"/>
-                      <p:cNvPicPr>
-                        <a:picLocks noChangeAspect="1" noChangeArrowheads="1"/>
-                      </p:cNvPicPr>
-                      <p:nvPr/>
-                    </p:nvPicPr>
-                    <p:blipFill>
-                      <a:blip r:embed="rId3">
-                        <a:extLst>
-                          <a:ext uri="{28A0092B-C50C-407E-A947-70E740481C1C}">
-                            <a14:useLocalDpi xmlns:a14="http://schemas.microsoft.com/office/drawing/2010/main" val="0"/>
-                          </a:ext>
-                        </a:extLst>
-                      </a:blip>
-                      <a:srcRect/>
-                      <a:stretch>
-                        <a:fillRect/>
-                      </a:stretch>
-                    </p:blipFill>
-                    <p:spPr bwMode="auto">
-                      <a:xfrm>
-                        <a:off x="2425959" y="1706346"/>
-                        <a:ext cx="6819123" cy="5339502"/>
-                      </a:xfrm>
-                      <a:prstGeom prst="rect">
-                        <a:avLst/>
-                      </a:prstGeom>
-                      <a:noFill/>
-                    </p:spPr>
-                  </p:pic>
-                </p:oleObj>
-              </mc:Fallback>
-            </mc:AlternateContent>
-          </a:graphicData>
-        </a:graphic>
-      </p:graphicFrame>
-    </p:spTree>
-    <p:extLst>
-      <p:ext uri="{BB962C8B-B14F-4D97-AF65-F5344CB8AC3E}">
-        <p14:creationId xmlns:p14="http://schemas.microsoft.com/office/powerpoint/2010/main" val="3555483594"/>
-      </p:ext>
-    </p:extLst>
-  </p:cSld>
-  <p:clrMapOvr>
-    <a:masterClrMapping/>
-  </p:clrMapOvr>
-</p:sld>
-</file>
-
-<file path=ppt/slides/slide14.xml><?xml version="1.0" encoding="utf-8"?>
-<p:sld xmlns:a="http://schemas.openxmlformats.org/drawingml/2006/main" xmlns:r="http://schemas.openxmlformats.org/officeDocument/2006/relationships" xmlns:p="http://schemas.openxmlformats.org/presentationml/2006/main">
-  <p:cSld>
-    <p:spTree>
-      <p:nvGrpSpPr>
-        <p:cNvPr id="1" name=""/>
-        <p:cNvGrpSpPr/>
-        <p:nvPr/>
-      </p:nvGrpSpPr>
-      <p:grpSpPr>
-        <a:xfrm>
-          <a:off x="0" y="0"/>
-          <a:ext cx="0" cy="0"/>
-          <a:chOff x="0" y="0"/>
-          <a:chExt cx="0" cy="0"/>
-        </a:xfrm>
-      </p:grpSpPr>
-      <p:sp>
-        <p:nvSpPr>
-          <p:cNvPr id="2" name="Title 1">
-            <a:extLst>
-              <a:ext uri="{FF2B5EF4-FFF2-40B4-BE49-F238E27FC236}">
-                <a16:creationId xmlns:a16="http://schemas.microsoft.com/office/drawing/2014/main" id="{C5B665DA-5B72-4831-B00E-78D6CC53BEE9}"/>
-              </a:ext>
-            </a:extLst>
-          </p:cNvPr>
-          <p:cNvSpPr>
-            <a:spLocks noGrp="1"/>
-          </p:cNvSpPr>
-          <p:nvPr>
-            <p:ph type="title"/>
-          </p:nvPr>
-        </p:nvSpPr>
-        <p:spPr/>
-        <p:txBody>
-          <a:bodyPr/>
-          <a:lstStyle/>
-          <a:p>
-            <a:r>
-              <a:rPr lang="en-US" b="0" i="0" dirty="0">
-                <a:solidFill>
-                  <a:srgbClr val="333333"/>
-                </a:solidFill>
-                <a:effectLst/>
-                <a:latin typeface="Roboto"/>
-              </a:rPr>
-              <a:t>Pitcher</a:t>
-            </a:r>
-            <a:br>
-              <a:rPr lang="en-US" b="0" i="0" dirty="0">
-                <a:solidFill>
-                  <a:srgbClr val="333333"/>
-                </a:solidFill>
-                <a:effectLst/>
-                <a:latin typeface="Roboto"/>
-              </a:rPr>
-            </a:br>
-            <a:r>
-              <a:rPr lang="en-US" b="0" i="0" dirty="0">
-                <a:solidFill>
-                  <a:srgbClr val="333333"/>
-                </a:solidFill>
-                <a:effectLst/>
-                <a:latin typeface="Roboto"/>
-              </a:rPr>
-              <a:t>Recommendation and key findings</a:t>
-            </a:r>
-            <a:endParaRPr lang="en-US" dirty="0"/>
-          </a:p>
-        </p:txBody>
-      </p:sp>
-      <p:sp>
-        <p:nvSpPr>
-          <p:cNvPr id="6" name="Rectangle 4">
-            <a:extLst>
-              <a:ext uri="{FF2B5EF4-FFF2-40B4-BE49-F238E27FC236}">
-                <a16:creationId xmlns:a16="http://schemas.microsoft.com/office/drawing/2014/main" id="{48FB218B-60CA-413C-8471-C68E1F188AAB}"/>
-              </a:ext>
-            </a:extLst>
-          </p:cNvPr>
-          <p:cNvSpPr>
-            <a:spLocks noChangeArrowheads="1"/>
-          </p:cNvSpPr>
-          <p:nvPr/>
-        </p:nvSpPr>
-        <p:spPr bwMode="auto">
-          <a:xfrm>
-            <a:off x="1903445" y="2014537"/>
-            <a:ext cx="12192000" cy="0"/>
-          </a:xfrm>
-          <a:prstGeom prst="rect">
-            <a:avLst/>
-          </a:prstGeom>
-          <a:noFill/>
-          <a:ln>
-            <a:noFill/>
-          </a:ln>
-          <a:effectLst/>
-          <a:extLst>
-            <a:ext uri="{909E8E84-426E-40DD-AFC4-6F175D3DCCD1}">
-              <a14:hiddenFill xmlns:a14="http://schemas.microsoft.com/office/drawing/2010/main">
-                <a:solidFill>
-                  <a:schemeClr val="accent1"/>
-                </a:solidFill>
-              </a14:hiddenFill>
-            </a:ext>
-            <a:ext uri="{91240B29-F687-4F45-9708-019B960494DF}">
-              <a14:hiddenLine xmlns:a14="http://schemas.microsoft.com/office/drawing/2010/main" w="9525">
-                <a:solidFill>
-                  <a:schemeClr val="tx1"/>
-                </a:solidFill>
-                <a:miter lim="800000"/>
-                <a:headEnd/>
-                <a:tailEnd/>
-              </a14:hiddenLine>
-            </a:ext>
-            <a:ext uri="{AF507438-7753-43E0-B8FC-AC1667EBCBE1}">
-              <a14:hiddenEffects xmlns:a14="http://schemas.microsoft.com/office/drawing/2010/main">
-                <a:effectLst>
-                  <a:outerShdw dist="35921" dir="2700000" algn="ctr" rotWithShape="0">
-                    <a:schemeClr val="bg2"/>
-                  </a:outerShdw>
-                </a:effectLst>
-              </a14:hiddenEffects>
-            </a:ext>
-          </a:extLst>
-        </p:spPr>
-        <p:txBody>
-          <a:bodyPr vert="horz" wrap="none" lIns="91440" tIns="45720" rIns="91440" bIns="45720" numCol="1" anchor="ctr" anchorCtr="0" compatLnSpc="1">
-            <a:prstTxWarp prst="textNoShape">
-              <a:avLst/>
-            </a:prstTxWarp>
-            <a:spAutoFit/>
-          </a:bodyPr>
-          <a:lstStyle/>
-          <a:p>
-            <a:endParaRPr lang="en-US"/>
-          </a:p>
-        </p:txBody>
-      </p:sp>
-      <p:sp>
-        <p:nvSpPr>
-          <p:cNvPr id="3" name="Rectangle 2">
-            <a:extLst>
-              <a:ext uri="{FF2B5EF4-FFF2-40B4-BE49-F238E27FC236}">
-                <a16:creationId xmlns:a16="http://schemas.microsoft.com/office/drawing/2014/main" id="{96508F3D-9B27-41AE-BD3B-5AEC7D6FBCC8}"/>
-              </a:ext>
-            </a:extLst>
-          </p:cNvPr>
-          <p:cNvSpPr>
-            <a:spLocks noChangeArrowheads="1"/>
-          </p:cNvSpPr>
-          <p:nvPr/>
-        </p:nvSpPr>
-        <p:spPr bwMode="auto">
-          <a:xfrm flipV="1">
-            <a:off x="-3014232" y="3863974"/>
-            <a:ext cx="19983506" cy="45719"/>
-          </a:xfrm>
-          <a:prstGeom prst="rect">
-            <a:avLst/>
-          </a:prstGeom>
-          <a:noFill/>
-          <a:ln>
-            <a:noFill/>
-          </a:ln>
-          <a:effectLst/>
-          <a:extLst>
-            <a:ext uri="{909E8E84-426E-40DD-AFC4-6F175D3DCCD1}">
-              <a14:hiddenFill xmlns:a14="http://schemas.microsoft.com/office/drawing/2010/main">
-                <a:solidFill>
-                  <a:schemeClr val="accent1"/>
-                </a:solidFill>
-              </a14:hiddenFill>
-            </a:ext>
-            <a:ext uri="{91240B29-F687-4F45-9708-019B960494DF}">
-              <a14:hiddenLine xmlns:a14="http://schemas.microsoft.com/office/drawing/2010/main" w="9525">
-                <a:solidFill>
-                  <a:schemeClr val="tx1"/>
-                </a:solidFill>
-                <a:miter lim="800000"/>
-                <a:headEnd/>
-                <a:tailEnd/>
-              </a14:hiddenLine>
-            </a:ext>
-            <a:ext uri="{AF507438-7753-43E0-B8FC-AC1667EBCBE1}">
-              <a14:hiddenEffects xmlns:a14="http://schemas.microsoft.com/office/drawing/2010/main">
-                <a:effectLst>
-                  <a:outerShdw dist="35921" dir="2700000" algn="ctr" rotWithShape="0">
-                    <a:schemeClr val="bg2"/>
-                  </a:outerShdw>
-                </a:effectLst>
-              </a14:hiddenEffects>
-            </a:ext>
-          </a:extLst>
-        </p:spPr>
-        <p:txBody>
-          <a:bodyPr vert="horz" wrap="square" lIns="91440" tIns="45720" rIns="91440" bIns="45720" numCol="1" anchor="ctr" anchorCtr="0" compatLnSpc="1">
-            <a:prstTxWarp prst="textNoShape">
-              <a:avLst/>
-            </a:prstTxWarp>
-            <a:spAutoFit/>
-          </a:bodyPr>
-          <a:lstStyle/>
-          <a:p>
-            <a:endParaRPr lang="en-US"/>
-          </a:p>
-        </p:txBody>
-      </p:sp>
-      <p:sp>
-        <p:nvSpPr>
-          <p:cNvPr id="5" name="Rectangle 2">
-            <a:extLst>
-              <a:ext uri="{FF2B5EF4-FFF2-40B4-BE49-F238E27FC236}">
-                <a16:creationId xmlns:a16="http://schemas.microsoft.com/office/drawing/2014/main" id="{49D1EC6E-71C2-492E-80F9-845E90CEEA24}"/>
-              </a:ext>
-            </a:extLst>
-          </p:cNvPr>
-          <p:cNvSpPr>
-            <a:spLocks noChangeArrowheads="1"/>
-          </p:cNvSpPr>
-          <p:nvPr/>
-        </p:nvSpPr>
-        <p:spPr bwMode="auto">
-          <a:xfrm flipV="1">
-            <a:off x="-3187550" y="3883547"/>
-            <a:ext cx="20586032" cy="45719"/>
-          </a:xfrm>
-          <a:prstGeom prst="rect">
-            <a:avLst/>
-          </a:prstGeom>
-          <a:noFill/>
-          <a:ln>
-            <a:noFill/>
-          </a:ln>
-          <a:effectLst/>
-          <a:extLst>
-            <a:ext uri="{909E8E84-426E-40DD-AFC4-6F175D3DCCD1}">
-              <a14:hiddenFill xmlns:a14="http://schemas.microsoft.com/office/drawing/2010/main">
-                <a:solidFill>
-                  <a:schemeClr val="accent1"/>
-                </a:solidFill>
-              </a14:hiddenFill>
-            </a:ext>
-            <a:ext uri="{91240B29-F687-4F45-9708-019B960494DF}">
-              <a14:hiddenLine xmlns:a14="http://schemas.microsoft.com/office/drawing/2010/main" w="9525">
-                <a:solidFill>
-                  <a:schemeClr val="tx1"/>
-                </a:solidFill>
-                <a:miter lim="800000"/>
-                <a:headEnd/>
-                <a:tailEnd/>
-              </a14:hiddenLine>
-            </a:ext>
-            <a:ext uri="{AF507438-7753-43E0-B8FC-AC1667EBCBE1}">
-              <a14:hiddenEffects xmlns:a14="http://schemas.microsoft.com/office/drawing/2010/main">
-                <a:effectLst>
-                  <a:outerShdw dist="35921" dir="2700000" algn="ctr" rotWithShape="0">
-                    <a:schemeClr val="bg2"/>
-                  </a:outerShdw>
-                </a:effectLst>
-              </a14:hiddenEffects>
-            </a:ext>
-          </a:extLst>
-        </p:spPr>
-        <p:txBody>
-          <a:bodyPr vert="horz" wrap="square" lIns="91440" tIns="45720" rIns="91440" bIns="45720" numCol="1" anchor="ctr" anchorCtr="0" compatLnSpc="1">
-            <a:prstTxWarp prst="textNoShape">
-              <a:avLst/>
-            </a:prstTxWarp>
-            <a:spAutoFit/>
-          </a:bodyPr>
-          <a:lstStyle/>
-          <a:p>
-            <a:endParaRPr lang="en-US"/>
-          </a:p>
-        </p:txBody>
-      </p:sp>
-      <p:sp>
-        <p:nvSpPr>
-          <p:cNvPr id="4" name="Rectangle 2">
-            <a:extLst>
-              <a:ext uri="{FF2B5EF4-FFF2-40B4-BE49-F238E27FC236}">
-                <a16:creationId xmlns:a16="http://schemas.microsoft.com/office/drawing/2014/main" id="{EF989EA6-CBCE-42FE-8920-DB405AFBCBFE}"/>
-              </a:ext>
-            </a:extLst>
-          </p:cNvPr>
-          <p:cNvSpPr>
-            <a:spLocks noChangeArrowheads="1"/>
-          </p:cNvSpPr>
-          <p:nvPr/>
-        </p:nvSpPr>
-        <p:spPr bwMode="auto">
-          <a:xfrm flipV="1">
-            <a:off x="610411" y="2802361"/>
-            <a:ext cx="15220928" cy="45719"/>
-          </a:xfrm>
-          <a:prstGeom prst="rect">
-            <a:avLst/>
-          </a:prstGeom>
-          <a:noFill/>
-          <a:ln>
-            <a:noFill/>
-          </a:ln>
-          <a:effectLst/>
-          <a:extLst>
-            <a:ext uri="{909E8E84-426E-40DD-AFC4-6F175D3DCCD1}">
-              <a14:hiddenFill xmlns:a14="http://schemas.microsoft.com/office/drawing/2010/main">
-                <a:solidFill>
-                  <a:schemeClr val="accent1"/>
-                </a:solidFill>
-              </a14:hiddenFill>
-            </a:ext>
-            <a:ext uri="{91240B29-F687-4F45-9708-019B960494DF}">
-              <a14:hiddenLine xmlns:a14="http://schemas.microsoft.com/office/drawing/2010/main" w="9525">
-                <a:solidFill>
-                  <a:schemeClr val="tx1"/>
-                </a:solidFill>
-                <a:miter lim="800000"/>
-                <a:headEnd/>
-                <a:tailEnd/>
-              </a14:hiddenLine>
-            </a:ext>
-            <a:ext uri="{AF507438-7753-43E0-B8FC-AC1667EBCBE1}">
-              <a14:hiddenEffects xmlns:a14="http://schemas.microsoft.com/office/drawing/2010/main">
-                <a:effectLst>
-                  <a:outerShdw dist="35921" dir="2700000" algn="ctr" rotWithShape="0">
-                    <a:schemeClr val="bg2"/>
-                  </a:outerShdw>
-                </a:effectLst>
-              </a14:hiddenEffects>
-            </a:ext>
-          </a:extLst>
-        </p:spPr>
-        <p:txBody>
-          <a:bodyPr vert="horz" wrap="square" lIns="91440" tIns="45720" rIns="91440" bIns="45720" numCol="1" anchor="ctr" anchorCtr="0" compatLnSpc="1">
-            <a:prstTxWarp prst="textNoShape">
-              <a:avLst/>
-            </a:prstTxWarp>
-            <a:spAutoFit/>
-          </a:bodyPr>
-          <a:lstStyle/>
-          <a:p>
-            <a:endParaRPr lang="en-US"/>
-          </a:p>
-        </p:txBody>
-      </p:sp>
-      <p:graphicFrame>
-        <p:nvGraphicFramePr>
-          <p:cNvPr id="8" name="Object 7">
-            <a:extLst>
-              <a:ext uri="{FF2B5EF4-FFF2-40B4-BE49-F238E27FC236}">
-                <a16:creationId xmlns:a16="http://schemas.microsoft.com/office/drawing/2014/main" id="{F7CF83C3-AFB8-421A-8D03-F68F08F2B99F}"/>
-              </a:ext>
-            </a:extLst>
-          </p:cNvPr>
-          <p:cNvGraphicFramePr>
-            <a:graphicFrameLocks noChangeAspect="1"/>
-          </p:cNvGraphicFramePr>
-          <p:nvPr>
-            <p:extLst>
-              <p:ext uri="{D42A27DB-BD31-4B8C-83A1-F6EECF244321}">
-                <p14:modId xmlns:p14="http://schemas.microsoft.com/office/powerpoint/2010/main" val="2174915796"/>
-              </p:ext>
-            </p:extLst>
-          </p:nvPr>
-        </p:nvGraphicFramePr>
-        <p:xfrm>
-          <a:off x="2165103" y="1794297"/>
-          <a:ext cx="7408311" cy="5065715"/>
-        </p:xfrm>
-        <a:graphic>
-          <a:graphicData uri="http://schemas.openxmlformats.org/presentationml/2006/ole">
-            <mc:AlternateContent xmlns:mc="http://schemas.openxmlformats.org/markup-compatibility/2006">
-              <mc:Choice xmlns:v="urn:schemas-microsoft-com:vml" Requires="v">
-                <p:oleObj name="Bitmap Image" r:id="rId2" imgW="8714286" imgH="5961905" progId="Paint.Picture">
-                  <p:embed/>
-                </p:oleObj>
-              </mc:Choice>
-              <mc:Fallback>
-                <p:oleObj name="Bitmap Image" r:id="rId2" imgW="8714286" imgH="5961905" progId="Paint.Picture">
-                  <p:embed/>
-                  <p:pic>
-                    <p:nvPicPr>
-                      <p:cNvPr id="0" name="Object 1"/>
-                      <p:cNvPicPr>
-                        <a:picLocks noChangeAspect="1" noChangeArrowheads="1"/>
-                      </p:cNvPicPr>
-                      <p:nvPr/>
-                    </p:nvPicPr>
-                    <p:blipFill>
-                      <a:blip r:embed="rId3">
-                        <a:extLst>
-                          <a:ext uri="{28A0092B-C50C-407E-A947-70E740481C1C}">
-                            <a14:useLocalDpi xmlns:a14="http://schemas.microsoft.com/office/drawing/2010/main" val="0"/>
-                          </a:ext>
-                        </a:extLst>
-                      </a:blip>
-                      <a:srcRect/>
-                      <a:stretch>
-                        <a:fillRect/>
-                      </a:stretch>
-                    </p:blipFill>
-                    <p:spPr bwMode="auto">
-                      <a:xfrm>
-                        <a:off x="2165103" y="1794297"/>
-                        <a:ext cx="7408311" cy="5065715"/>
-                      </a:xfrm>
-                      <a:prstGeom prst="rect">
-                        <a:avLst/>
-                      </a:prstGeom>
-                      <a:noFill/>
-                    </p:spPr>
-                  </p:pic>
-                </p:oleObj>
-              </mc:Fallback>
-            </mc:AlternateContent>
-          </a:graphicData>
-        </a:graphic>
-      </p:graphicFrame>
-    </p:spTree>
-    <p:extLst>
-      <p:ext uri="{BB962C8B-B14F-4D97-AF65-F5344CB8AC3E}">
-        <p14:creationId xmlns:p14="http://schemas.microsoft.com/office/powerpoint/2010/main" val="2527536676"/>
-      </p:ext>
-    </p:extLst>
-  </p:cSld>
-  <p:clrMapOvr>
-    <a:masterClrMapping/>
-  </p:clrMapOvr>
-</p:sld>
-</file>
-
-<file path=ppt/slides/slide15.xml><?xml version="1.0" encoding="utf-8"?>
-<p:sld xmlns:a="http://schemas.openxmlformats.org/drawingml/2006/main" xmlns:r="http://schemas.openxmlformats.org/officeDocument/2006/relationships" xmlns:p="http://schemas.openxmlformats.org/presentationml/2006/main">
-  <p:cSld>
-    <p:spTree>
-      <p:nvGrpSpPr>
-        <p:cNvPr id="1" name=""/>
-        <p:cNvGrpSpPr/>
-        <p:nvPr/>
-      </p:nvGrpSpPr>
-      <p:grpSpPr>
-        <a:xfrm>
-          <a:off x="0" y="0"/>
-          <a:ext cx="0" cy="0"/>
-          <a:chOff x="0" y="0"/>
-          <a:chExt cx="0" cy="0"/>
-        </a:xfrm>
-      </p:grpSpPr>
-      <p:sp>
-        <p:nvSpPr>
-          <p:cNvPr id="2" name="Title 1">
-            <a:extLst>
-              <a:ext uri="{FF2B5EF4-FFF2-40B4-BE49-F238E27FC236}">
-                <a16:creationId xmlns:a16="http://schemas.microsoft.com/office/drawing/2014/main" id="{C5B665DA-5B72-4831-B00E-78D6CC53BEE9}"/>
-              </a:ext>
-            </a:extLst>
-          </p:cNvPr>
-          <p:cNvSpPr>
-            <a:spLocks noGrp="1"/>
-          </p:cNvSpPr>
-          <p:nvPr>
-            <p:ph type="title"/>
-          </p:nvPr>
-        </p:nvSpPr>
-        <p:spPr/>
-        <p:txBody>
-          <a:bodyPr/>
-          <a:lstStyle/>
-          <a:p>
-            <a:r>
-              <a:rPr lang="en-US" b="0" i="0" dirty="0">
-                <a:solidFill>
-                  <a:srgbClr val="333333"/>
-                </a:solidFill>
-                <a:effectLst/>
-                <a:latin typeface="Roboto"/>
-              </a:rPr>
-              <a:t>Pitcher</a:t>
-            </a:r>
-            <a:br>
-              <a:rPr lang="en-US" b="0" i="0" dirty="0">
-                <a:solidFill>
-                  <a:srgbClr val="333333"/>
-                </a:solidFill>
-                <a:effectLst/>
-                <a:latin typeface="Roboto"/>
-              </a:rPr>
-            </a:br>
-            <a:r>
-              <a:rPr lang="en-US" b="0" i="0" dirty="0">
-                <a:solidFill>
-                  <a:srgbClr val="333333"/>
-                </a:solidFill>
-                <a:effectLst/>
-                <a:latin typeface="Roboto"/>
-              </a:rPr>
-              <a:t>Recommendation and key findings</a:t>
-            </a:r>
-            <a:endParaRPr lang="en-US" dirty="0"/>
-          </a:p>
-        </p:txBody>
-      </p:sp>
-      <p:sp>
-        <p:nvSpPr>
-          <p:cNvPr id="6" name="Rectangle 4">
-            <a:extLst>
-              <a:ext uri="{FF2B5EF4-FFF2-40B4-BE49-F238E27FC236}">
-                <a16:creationId xmlns:a16="http://schemas.microsoft.com/office/drawing/2014/main" id="{48FB218B-60CA-413C-8471-C68E1F188AAB}"/>
-              </a:ext>
-            </a:extLst>
-          </p:cNvPr>
-          <p:cNvSpPr>
-            <a:spLocks noChangeArrowheads="1"/>
-          </p:cNvSpPr>
-          <p:nvPr/>
-        </p:nvSpPr>
-        <p:spPr bwMode="auto">
-          <a:xfrm>
-            <a:off x="1903445" y="2014537"/>
-            <a:ext cx="12192000" cy="0"/>
-          </a:xfrm>
-          <a:prstGeom prst="rect">
-            <a:avLst/>
-          </a:prstGeom>
-          <a:noFill/>
-          <a:ln>
-            <a:noFill/>
-          </a:ln>
-          <a:effectLst/>
-          <a:extLst>
-            <a:ext uri="{909E8E84-426E-40DD-AFC4-6F175D3DCCD1}">
-              <a14:hiddenFill xmlns:a14="http://schemas.microsoft.com/office/drawing/2010/main">
-                <a:solidFill>
-                  <a:schemeClr val="accent1"/>
-                </a:solidFill>
-              </a14:hiddenFill>
-            </a:ext>
-            <a:ext uri="{91240B29-F687-4F45-9708-019B960494DF}">
-              <a14:hiddenLine xmlns:a14="http://schemas.microsoft.com/office/drawing/2010/main" w="9525">
-                <a:solidFill>
-                  <a:schemeClr val="tx1"/>
-                </a:solidFill>
-                <a:miter lim="800000"/>
-                <a:headEnd/>
-                <a:tailEnd/>
-              </a14:hiddenLine>
-            </a:ext>
-            <a:ext uri="{AF507438-7753-43E0-B8FC-AC1667EBCBE1}">
-              <a14:hiddenEffects xmlns:a14="http://schemas.microsoft.com/office/drawing/2010/main">
-                <a:effectLst>
-                  <a:outerShdw dist="35921" dir="2700000" algn="ctr" rotWithShape="0">
-                    <a:schemeClr val="bg2"/>
-                  </a:outerShdw>
-                </a:effectLst>
-              </a14:hiddenEffects>
-            </a:ext>
-          </a:extLst>
-        </p:spPr>
-        <p:txBody>
-          <a:bodyPr vert="horz" wrap="none" lIns="91440" tIns="45720" rIns="91440" bIns="45720" numCol="1" anchor="ctr" anchorCtr="0" compatLnSpc="1">
-            <a:prstTxWarp prst="textNoShape">
-              <a:avLst/>
-            </a:prstTxWarp>
-            <a:spAutoFit/>
-          </a:bodyPr>
-          <a:lstStyle/>
-          <a:p>
-            <a:endParaRPr lang="en-US"/>
-          </a:p>
-        </p:txBody>
-      </p:sp>
-      <p:sp>
-        <p:nvSpPr>
-          <p:cNvPr id="3" name="Rectangle 2">
-            <a:extLst>
-              <a:ext uri="{FF2B5EF4-FFF2-40B4-BE49-F238E27FC236}">
-                <a16:creationId xmlns:a16="http://schemas.microsoft.com/office/drawing/2014/main" id="{96508F3D-9B27-41AE-BD3B-5AEC7D6FBCC8}"/>
-              </a:ext>
-            </a:extLst>
-          </p:cNvPr>
-          <p:cNvSpPr>
-            <a:spLocks noChangeArrowheads="1"/>
-          </p:cNvSpPr>
-          <p:nvPr/>
-        </p:nvSpPr>
-        <p:spPr bwMode="auto">
-          <a:xfrm flipV="1">
-            <a:off x="-3014232" y="3863974"/>
-            <a:ext cx="19983506" cy="45719"/>
-          </a:xfrm>
-          <a:prstGeom prst="rect">
-            <a:avLst/>
-          </a:prstGeom>
-          <a:noFill/>
-          <a:ln>
-            <a:noFill/>
-          </a:ln>
-          <a:effectLst/>
-          <a:extLst>
-            <a:ext uri="{909E8E84-426E-40DD-AFC4-6F175D3DCCD1}">
-              <a14:hiddenFill xmlns:a14="http://schemas.microsoft.com/office/drawing/2010/main">
-                <a:solidFill>
-                  <a:schemeClr val="accent1"/>
-                </a:solidFill>
-              </a14:hiddenFill>
-            </a:ext>
-            <a:ext uri="{91240B29-F687-4F45-9708-019B960494DF}">
-              <a14:hiddenLine xmlns:a14="http://schemas.microsoft.com/office/drawing/2010/main" w="9525">
-                <a:solidFill>
-                  <a:schemeClr val="tx1"/>
-                </a:solidFill>
-                <a:miter lim="800000"/>
-                <a:headEnd/>
-                <a:tailEnd/>
-              </a14:hiddenLine>
-            </a:ext>
-            <a:ext uri="{AF507438-7753-43E0-B8FC-AC1667EBCBE1}">
-              <a14:hiddenEffects xmlns:a14="http://schemas.microsoft.com/office/drawing/2010/main">
-                <a:effectLst>
-                  <a:outerShdw dist="35921" dir="2700000" algn="ctr" rotWithShape="0">
-                    <a:schemeClr val="bg2"/>
-                  </a:outerShdw>
-                </a:effectLst>
-              </a14:hiddenEffects>
-            </a:ext>
-          </a:extLst>
-        </p:spPr>
-        <p:txBody>
-          <a:bodyPr vert="horz" wrap="square" lIns="91440" tIns="45720" rIns="91440" bIns="45720" numCol="1" anchor="ctr" anchorCtr="0" compatLnSpc="1">
-            <a:prstTxWarp prst="textNoShape">
-              <a:avLst/>
-            </a:prstTxWarp>
-            <a:spAutoFit/>
-          </a:bodyPr>
-          <a:lstStyle/>
-          <a:p>
-            <a:endParaRPr lang="en-US"/>
-          </a:p>
-        </p:txBody>
-      </p:sp>
-      <p:sp>
-        <p:nvSpPr>
-          <p:cNvPr id="5" name="Rectangle 2">
-            <a:extLst>
-              <a:ext uri="{FF2B5EF4-FFF2-40B4-BE49-F238E27FC236}">
-                <a16:creationId xmlns:a16="http://schemas.microsoft.com/office/drawing/2014/main" id="{49D1EC6E-71C2-492E-80F9-845E90CEEA24}"/>
-              </a:ext>
-            </a:extLst>
-          </p:cNvPr>
-          <p:cNvSpPr>
-            <a:spLocks noChangeArrowheads="1"/>
-          </p:cNvSpPr>
-          <p:nvPr/>
-        </p:nvSpPr>
-        <p:spPr bwMode="auto">
-          <a:xfrm flipV="1">
-            <a:off x="-3187550" y="3883547"/>
-            <a:ext cx="20586032" cy="45719"/>
-          </a:xfrm>
-          <a:prstGeom prst="rect">
-            <a:avLst/>
-          </a:prstGeom>
-          <a:noFill/>
-          <a:ln>
-            <a:noFill/>
-          </a:ln>
-          <a:effectLst/>
-          <a:extLst>
-            <a:ext uri="{909E8E84-426E-40DD-AFC4-6F175D3DCCD1}">
-              <a14:hiddenFill xmlns:a14="http://schemas.microsoft.com/office/drawing/2010/main">
-                <a:solidFill>
-                  <a:schemeClr val="accent1"/>
-                </a:solidFill>
-              </a14:hiddenFill>
-            </a:ext>
-            <a:ext uri="{91240B29-F687-4F45-9708-019B960494DF}">
-              <a14:hiddenLine xmlns:a14="http://schemas.microsoft.com/office/drawing/2010/main" w="9525">
-                <a:solidFill>
-                  <a:schemeClr val="tx1"/>
-                </a:solidFill>
-                <a:miter lim="800000"/>
-                <a:headEnd/>
-                <a:tailEnd/>
-              </a14:hiddenLine>
-            </a:ext>
-            <a:ext uri="{AF507438-7753-43E0-B8FC-AC1667EBCBE1}">
-              <a14:hiddenEffects xmlns:a14="http://schemas.microsoft.com/office/drawing/2010/main">
-                <a:effectLst>
-                  <a:outerShdw dist="35921" dir="2700000" algn="ctr" rotWithShape="0">
-                    <a:schemeClr val="bg2"/>
-                  </a:outerShdw>
-                </a:effectLst>
-              </a14:hiddenEffects>
-            </a:ext>
-          </a:extLst>
-        </p:spPr>
-        <p:txBody>
-          <a:bodyPr vert="horz" wrap="square" lIns="91440" tIns="45720" rIns="91440" bIns="45720" numCol="1" anchor="ctr" anchorCtr="0" compatLnSpc="1">
-            <a:prstTxWarp prst="textNoShape">
-              <a:avLst/>
-            </a:prstTxWarp>
-            <a:spAutoFit/>
-          </a:bodyPr>
-          <a:lstStyle/>
-          <a:p>
-            <a:endParaRPr lang="en-US"/>
-          </a:p>
-        </p:txBody>
-      </p:sp>
-      <p:sp>
-        <p:nvSpPr>
-          <p:cNvPr id="4" name="Rectangle 2">
-            <a:extLst>
-              <a:ext uri="{FF2B5EF4-FFF2-40B4-BE49-F238E27FC236}">
-                <a16:creationId xmlns:a16="http://schemas.microsoft.com/office/drawing/2014/main" id="{EF989EA6-CBCE-42FE-8920-DB405AFBCBFE}"/>
-              </a:ext>
-            </a:extLst>
-          </p:cNvPr>
-          <p:cNvSpPr>
-            <a:spLocks noChangeArrowheads="1"/>
-          </p:cNvSpPr>
-          <p:nvPr/>
-        </p:nvSpPr>
-        <p:spPr bwMode="auto">
-          <a:xfrm flipV="1">
-            <a:off x="610411" y="2802361"/>
-            <a:ext cx="15220928" cy="45719"/>
-          </a:xfrm>
-          <a:prstGeom prst="rect">
-            <a:avLst/>
-          </a:prstGeom>
-          <a:noFill/>
-          <a:ln>
-            <a:noFill/>
-          </a:ln>
-          <a:effectLst/>
-          <a:extLst>
-            <a:ext uri="{909E8E84-426E-40DD-AFC4-6F175D3DCCD1}">
-              <a14:hiddenFill xmlns:a14="http://schemas.microsoft.com/office/drawing/2010/main">
-                <a:solidFill>
-                  <a:schemeClr val="accent1"/>
-                </a:solidFill>
-              </a14:hiddenFill>
-            </a:ext>
-            <a:ext uri="{91240B29-F687-4F45-9708-019B960494DF}">
-              <a14:hiddenLine xmlns:a14="http://schemas.microsoft.com/office/drawing/2010/main" w="9525">
-                <a:solidFill>
-                  <a:schemeClr val="tx1"/>
-                </a:solidFill>
-                <a:miter lim="800000"/>
-                <a:headEnd/>
-                <a:tailEnd/>
-              </a14:hiddenLine>
-            </a:ext>
-            <a:ext uri="{AF507438-7753-43E0-B8FC-AC1667EBCBE1}">
-              <a14:hiddenEffects xmlns:a14="http://schemas.microsoft.com/office/drawing/2010/main">
-                <a:effectLst>
-                  <a:outerShdw dist="35921" dir="2700000" algn="ctr" rotWithShape="0">
-                    <a:schemeClr val="bg2"/>
-                  </a:outerShdw>
-                </a:effectLst>
-              </a14:hiddenEffects>
-            </a:ext>
-          </a:extLst>
-        </p:spPr>
-        <p:txBody>
-          <a:bodyPr vert="horz" wrap="square" lIns="91440" tIns="45720" rIns="91440" bIns="45720" numCol="1" anchor="ctr" anchorCtr="0" compatLnSpc="1">
-            <a:prstTxWarp prst="textNoShape">
-              <a:avLst/>
-            </a:prstTxWarp>
-            <a:spAutoFit/>
-          </a:bodyPr>
-          <a:lstStyle/>
-          <a:p>
-            <a:endParaRPr lang="en-US"/>
-          </a:p>
-        </p:txBody>
-      </p:sp>
-      <p:pic>
-        <p:nvPicPr>
-          <p:cNvPr id="9" name="Picture 8">
-            <a:extLst>
-              <a:ext uri="{FF2B5EF4-FFF2-40B4-BE49-F238E27FC236}">
-                <a16:creationId xmlns:a16="http://schemas.microsoft.com/office/drawing/2014/main" id="{4FB5E5DB-C7FF-4490-8436-4BA14B46C146}"/>
-              </a:ext>
-            </a:extLst>
-          </p:cNvPr>
-          <p:cNvPicPr/>
-          <p:nvPr/>
-        </p:nvPicPr>
-        <p:blipFill>
-          <a:blip r:embed="rId2">
-            <a:extLst>
-              <a:ext uri="{28A0092B-C50C-407E-A947-70E740481C1C}">
-                <a14:useLocalDpi xmlns:a14="http://schemas.microsoft.com/office/drawing/2010/main" val="0"/>
-              </a:ext>
-            </a:extLst>
-          </a:blip>
-          <a:srcRect/>
-          <a:stretch>
-            <a:fillRect/>
-          </a:stretch>
-        </p:blipFill>
-        <p:spPr bwMode="auto">
-          <a:xfrm>
-            <a:off x="1604865" y="2537927"/>
-            <a:ext cx="6122126" cy="4320073"/>
-          </a:xfrm>
-          <a:prstGeom prst="rect">
-            <a:avLst/>
-          </a:prstGeom>
-          <a:noFill/>
-          <a:ln>
-            <a:noFill/>
-          </a:ln>
-        </p:spPr>
-      </p:pic>
-    </p:spTree>
-    <p:extLst>
-      <p:ext uri="{BB962C8B-B14F-4D97-AF65-F5344CB8AC3E}">
-        <p14:creationId xmlns:p14="http://schemas.microsoft.com/office/powerpoint/2010/main" val="2070896650"/>
-      </p:ext>
-    </p:extLst>
-  </p:cSld>
-  <p:clrMapOvr>
-    <a:masterClrMapping/>
-  </p:clrMapOvr>
-</p:sld>
-</file>
-
-<file path=ppt/slides/slide16.xml><?xml version="1.0" encoding="utf-8"?>
-<p:sld xmlns:a="http://schemas.openxmlformats.org/drawingml/2006/main" xmlns:r="http://schemas.openxmlformats.org/officeDocument/2006/relationships" xmlns:p="http://schemas.openxmlformats.org/presentationml/2006/main">
-  <p:cSld>
-    <p:spTree>
-      <p:nvGrpSpPr>
-        <p:cNvPr id="1" name=""/>
-        <p:cNvGrpSpPr/>
-        <p:nvPr/>
-      </p:nvGrpSpPr>
-      <p:grpSpPr>
-        <a:xfrm>
-          <a:off x="0" y="0"/>
-          <a:ext cx="0" cy="0"/>
-          <a:chOff x="0" y="0"/>
-          <a:chExt cx="0" cy="0"/>
-        </a:xfrm>
-      </p:grpSpPr>
-      <p:sp>
-        <p:nvSpPr>
-          <p:cNvPr id="2" name="Title 1">
-            <a:extLst>
-              <a:ext uri="{FF2B5EF4-FFF2-40B4-BE49-F238E27FC236}">
-                <a16:creationId xmlns:a16="http://schemas.microsoft.com/office/drawing/2014/main" id="{C5B665DA-5B72-4831-B00E-78D6CC53BEE9}"/>
-              </a:ext>
-            </a:extLst>
-          </p:cNvPr>
-          <p:cNvSpPr>
-            <a:spLocks noGrp="1"/>
-          </p:cNvSpPr>
-          <p:nvPr>
-            <p:ph type="title"/>
-          </p:nvPr>
-        </p:nvSpPr>
-        <p:spPr/>
-        <p:txBody>
-          <a:bodyPr/>
-          <a:lstStyle/>
-          <a:p>
-            <a:r>
-              <a:rPr lang="en-US" b="0" i="0" dirty="0">
-                <a:solidFill>
-                  <a:srgbClr val="333333"/>
-                </a:solidFill>
-                <a:effectLst/>
-                <a:latin typeface="Roboto"/>
-              </a:rPr>
-              <a:t>Pitcher</a:t>
-            </a:r>
-            <a:br>
-              <a:rPr lang="en-US" b="0" i="0" dirty="0">
-                <a:solidFill>
-                  <a:srgbClr val="333333"/>
-                </a:solidFill>
-                <a:effectLst/>
-                <a:latin typeface="Roboto"/>
-              </a:rPr>
-            </a:br>
-            <a:r>
-              <a:rPr lang="en-US" b="0" i="0" dirty="0">
-                <a:solidFill>
-                  <a:srgbClr val="333333"/>
-                </a:solidFill>
-                <a:effectLst/>
-                <a:latin typeface="Roboto"/>
-              </a:rPr>
-              <a:t>Recommendation and key findings</a:t>
-            </a:r>
-            <a:endParaRPr lang="en-US" dirty="0"/>
-          </a:p>
-        </p:txBody>
-      </p:sp>
-      <p:sp>
-        <p:nvSpPr>
-          <p:cNvPr id="6" name="Rectangle 4">
-            <a:extLst>
-              <a:ext uri="{FF2B5EF4-FFF2-40B4-BE49-F238E27FC236}">
-                <a16:creationId xmlns:a16="http://schemas.microsoft.com/office/drawing/2014/main" id="{48FB218B-60CA-413C-8471-C68E1F188AAB}"/>
-              </a:ext>
-            </a:extLst>
-          </p:cNvPr>
-          <p:cNvSpPr>
-            <a:spLocks noChangeArrowheads="1"/>
-          </p:cNvSpPr>
-          <p:nvPr/>
-        </p:nvSpPr>
-        <p:spPr bwMode="auto">
-          <a:xfrm>
-            <a:off x="1903445" y="2014537"/>
-            <a:ext cx="12192000" cy="0"/>
-          </a:xfrm>
-          <a:prstGeom prst="rect">
-            <a:avLst/>
-          </a:prstGeom>
-          <a:noFill/>
-          <a:ln>
-            <a:noFill/>
-          </a:ln>
-          <a:effectLst/>
-          <a:extLst>
-            <a:ext uri="{909E8E84-426E-40DD-AFC4-6F175D3DCCD1}">
-              <a14:hiddenFill xmlns:a14="http://schemas.microsoft.com/office/drawing/2010/main">
-                <a:solidFill>
-                  <a:schemeClr val="accent1"/>
-                </a:solidFill>
-              </a14:hiddenFill>
-            </a:ext>
-            <a:ext uri="{91240B29-F687-4F45-9708-019B960494DF}">
-              <a14:hiddenLine xmlns:a14="http://schemas.microsoft.com/office/drawing/2010/main" w="9525">
-                <a:solidFill>
-                  <a:schemeClr val="tx1"/>
-                </a:solidFill>
-                <a:miter lim="800000"/>
-                <a:headEnd/>
-                <a:tailEnd/>
-              </a14:hiddenLine>
-            </a:ext>
-            <a:ext uri="{AF507438-7753-43E0-B8FC-AC1667EBCBE1}">
-              <a14:hiddenEffects xmlns:a14="http://schemas.microsoft.com/office/drawing/2010/main">
-                <a:effectLst>
-                  <a:outerShdw dist="35921" dir="2700000" algn="ctr" rotWithShape="0">
-                    <a:schemeClr val="bg2"/>
-                  </a:outerShdw>
-                </a:effectLst>
-              </a14:hiddenEffects>
-            </a:ext>
-          </a:extLst>
-        </p:spPr>
-        <p:txBody>
-          <a:bodyPr vert="horz" wrap="none" lIns="91440" tIns="45720" rIns="91440" bIns="45720" numCol="1" anchor="ctr" anchorCtr="0" compatLnSpc="1">
-            <a:prstTxWarp prst="textNoShape">
-              <a:avLst/>
-            </a:prstTxWarp>
-            <a:spAutoFit/>
-          </a:bodyPr>
-          <a:lstStyle/>
-          <a:p>
-            <a:endParaRPr lang="en-US"/>
-          </a:p>
-        </p:txBody>
-      </p:sp>
-      <p:sp>
-        <p:nvSpPr>
-          <p:cNvPr id="3" name="Rectangle 2">
-            <a:extLst>
-              <a:ext uri="{FF2B5EF4-FFF2-40B4-BE49-F238E27FC236}">
-                <a16:creationId xmlns:a16="http://schemas.microsoft.com/office/drawing/2014/main" id="{96508F3D-9B27-41AE-BD3B-5AEC7D6FBCC8}"/>
-              </a:ext>
-            </a:extLst>
-          </p:cNvPr>
-          <p:cNvSpPr>
-            <a:spLocks noChangeArrowheads="1"/>
-          </p:cNvSpPr>
-          <p:nvPr/>
-        </p:nvSpPr>
-        <p:spPr bwMode="auto">
-          <a:xfrm flipV="1">
-            <a:off x="-3014232" y="3863974"/>
-            <a:ext cx="19983506" cy="45719"/>
-          </a:xfrm>
-          <a:prstGeom prst="rect">
-            <a:avLst/>
-          </a:prstGeom>
-          <a:noFill/>
-          <a:ln>
-            <a:noFill/>
-          </a:ln>
-          <a:effectLst/>
-          <a:extLst>
-            <a:ext uri="{909E8E84-426E-40DD-AFC4-6F175D3DCCD1}">
-              <a14:hiddenFill xmlns:a14="http://schemas.microsoft.com/office/drawing/2010/main">
-                <a:solidFill>
-                  <a:schemeClr val="accent1"/>
-                </a:solidFill>
-              </a14:hiddenFill>
-            </a:ext>
-            <a:ext uri="{91240B29-F687-4F45-9708-019B960494DF}">
-              <a14:hiddenLine xmlns:a14="http://schemas.microsoft.com/office/drawing/2010/main" w="9525">
-                <a:solidFill>
-                  <a:schemeClr val="tx1"/>
-                </a:solidFill>
-                <a:miter lim="800000"/>
-                <a:headEnd/>
-                <a:tailEnd/>
-              </a14:hiddenLine>
-            </a:ext>
-            <a:ext uri="{AF507438-7753-43E0-B8FC-AC1667EBCBE1}">
-              <a14:hiddenEffects xmlns:a14="http://schemas.microsoft.com/office/drawing/2010/main">
-                <a:effectLst>
-                  <a:outerShdw dist="35921" dir="2700000" algn="ctr" rotWithShape="0">
-                    <a:schemeClr val="bg2"/>
-                  </a:outerShdw>
-                </a:effectLst>
-              </a14:hiddenEffects>
-            </a:ext>
-          </a:extLst>
-        </p:spPr>
-        <p:txBody>
-          <a:bodyPr vert="horz" wrap="square" lIns="91440" tIns="45720" rIns="91440" bIns="45720" numCol="1" anchor="ctr" anchorCtr="0" compatLnSpc="1">
-            <a:prstTxWarp prst="textNoShape">
-              <a:avLst/>
-            </a:prstTxWarp>
-            <a:spAutoFit/>
-          </a:bodyPr>
-          <a:lstStyle/>
-          <a:p>
-            <a:endParaRPr lang="en-US"/>
-          </a:p>
-        </p:txBody>
-      </p:sp>
-      <p:sp>
-        <p:nvSpPr>
-          <p:cNvPr id="5" name="Rectangle 2">
-            <a:extLst>
-              <a:ext uri="{FF2B5EF4-FFF2-40B4-BE49-F238E27FC236}">
-                <a16:creationId xmlns:a16="http://schemas.microsoft.com/office/drawing/2014/main" id="{49D1EC6E-71C2-492E-80F9-845E90CEEA24}"/>
-              </a:ext>
-            </a:extLst>
-          </p:cNvPr>
-          <p:cNvSpPr>
-            <a:spLocks noChangeArrowheads="1"/>
-          </p:cNvSpPr>
-          <p:nvPr/>
-        </p:nvSpPr>
-        <p:spPr bwMode="auto">
-          <a:xfrm flipV="1">
-            <a:off x="-3187550" y="3883547"/>
-            <a:ext cx="20586032" cy="45719"/>
-          </a:xfrm>
-          <a:prstGeom prst="rect">
-            <a:avLst/>
-          </a:prstGeom>
-          <a:noFill/>
-          <a:ln>
-            <a:noFill/>
-          </a:ln>
-          <a:effectLst/>
-          <a:extLst>
-            <a:ext uri="{909E8E84-426E-40DD-AFC4-6F175D3DCCD1}">
-              <a14:hiddenFill xmlns:a14="http://schemas.microsoft.com/office/drawing/2010/main">
-                <a:solidFill>
-                  <a:schemeClr val="accent1"/>
-                </a:solidFill>
-              </a14:hiddenFill>
-            </a:ext>
-            <a:ext uri="{91240B29-F687-4F45-9708-019B960494DF}">
-              <a14:hiddenLine xmlns:a14="http://schemas.microsoft.com/office/drawing/2010/main" w="9525">
-                <a:solidFill>
-                  <a:schemeClr val="tx1"/>
-                </a:solidFill>
-                <a:miter lim="800000"/>
-                <a:headEnd/>
-                <a:tailEnd/>
-              </a14:hiddenLine>
-            </a:ext>
-            <a:ext uri="{AF507438-7753-43E0-B8FC-AC1667EBCBE1}">
-              <a14:hiddenEffects xmlns:a14="http://schemas.microsoft.com/office/drawing/2010/main">
-                <a:effectLst>
-                  <a:outerShdw dist="35921" dir="2700000" algn="ctr" rotWithShape="0">
-                    <a:schemeClr val="bg2"/>
-                  </a:outerShdw>
-                </a:effectLst>
-              </a14:hiddenEffects>
-            </a:ext>
-          </a:extLst>
-        </p:spPr>
-        <p:txBody>
-          <a:bodyPr vert="horz" wrap="square" lIns="91440" tIns="45720" rIns="91440" bIns="45720" numCol="1" anchor="ctr" anchorCtr="0" compatLnSpc="1">
-            <a:prstTxWarp prst="textNoShape">
-              <a:avLst/>
-            </a:prstTxWarp>
-            <a:spAutoFit/>
-          </a:bodyPr>
-          <a:lstStyle/>
-          <a:p>
-            <a:endParaRPr lang="en-US"/>
-          </a:p>
-        </p:txBody>
-      </p:sp>
-      <p:sp>
-        <p:nvSpPr>
-          <p:cNvPr id="4" name="Rectangle 2">
-            <a:extLst>
-              <a:ext uri="{FF2B5EF4-FFF2-40B4-BE49-F238E27FC236}">
-                <a16:creationId xmlns:a16="http://schemas.microsoft.com/office/drawing/2014/main" id="{EF989EA6-CBCE-42FE-8920-DB405AFBCBFE}"/>
-              </a:ext>
-            </a:extLst>
-          </p:cNvPr>
-          <p:cNvSpPr>
-            <a:spLocks noChangeArrowheads="1"/>
-          </p:cNvSpPr>
-          <p:nvPr/>
-        </p:nvSpPr>
-        <p:spPr bwMode="auto">
-          <a:xfrm flipV="1">
-            <a:off x="610411" y="2802361"/>
-            <a:ext cx="15220928" cy="45719"/>
-          </a:xfrm>
-          <a:prstGeom prst="rect">
-            <a:avLst/>
-          </a:prstGeom>
-          <a:noFill/>
-          <a:ln>
-            <a:noFill/>
-          </a:ln>
-          <a:effectLst/>
-          <a:extLst>
-            <a:ext uri="{909E8E84-426E-40DD-AFC4-6F175D3DCCD1}">
-              <a14:hiddenFill xmlns:a14="http://schemas.microsoft.com/office/drawing/2010/main">
-                <a:solidFill>
-                  <a:schemeClr val="accent1"/>
-                </a:solidFill>
-              </a14:hiddenFill>
-            </a:ext>
-            <a:ext uri="{91240B29-F687-4F45-9708-019B960494DF}">
-              <a14:hiddenLine xmlns:a14="http://schemas.microsoft.com/office/drawing/2010/main" w="9525">
-                <a:solidFill>
-                  <a:schemeClr val="tx1"/>
-                </a:solidFill>
-                <a:miter lim="800000"/>
-                <a:headEnd/>
-                <a:tailEnd/>
-              </a14:hiddenLine>
-            </a:ext>
-            <a:ext uri="{AF507438-7753-43E0-B8FC-AC1667EBCBE1}">
-              <a14:hiddenEffects xmlns:a14="http://schemas.microsoft.com/office/drawing/2010/main">
-                <a:effectLst>
-                  <a:outerShdw dist="35921" dir="2700000" algn="ctr" rotWithShape="0">
-                    <a:schemeClr val="bg2"/>
-                  </a:outerShdw>
-                </a:effectLst>
-              </a14:hiddenEffects>
-            </a:ext>
-          </a:extLst>
-        </p:spPr>
-        <p:txBody>
-          <a:bodyPr vert="horz" wrap="square" lIns="91440" tIns="45720" rIns="91440" bIns="45720" numCol="1" anchor="ctr" anchorCtr="0" compatLnSpc="1">
-            <a:prstTxWarp prst="textNoShape">
-              <a:avLst/>
-            </a:prstTxWarp>
-            <a:spAutoFit/>
-          </a:bodyPr>
-          <a:lstStyle/>
-          <a:p>
-            <a:endParaRPr lang="en-US"/>
-          </a:p>
-        </p:txBody>
-      </p:sp>
-      <p:pic>
-        <p:nvPicPr>
-          <p:cNvPr id="8" name="Picture 7">
-            <a:extLst>
-              <a:ext uri="{FF2B5EF4-FFF2-40B4-BE49-F238E27FC236}">
-                <a16:creationId xmlns:a16="http://schemas.microsoft.com/office/drawing/2014/main" id="{45966EFC-315A-4823-B1ED-0DB5CA0E79E2}"/>
-              </a:ext>
-            </a:extLst>
-          </p:cNvPr>
-          <p:cNvPicPr/>
-          <p:nvPr/>
-        </p:nvPicPr>
-        <p:blipFill>
-          <a:blip r:embed="rId2">
-            <a:extLst>
-              <a:ext uri="{28A0092B-C50C-407E-A947-70E740481C1C}">
-                <a14:useLocalDpi xmlns:a14="http://schemas.microsoft.com/office/drawing/2010/main" val="0"/>
-              </a:ext>
-            </a:extLst>
-          </a:blip>
-          <a:srcRect/>
-          <a:stretch>
-            <a:fillRect/>
-          </a:stretch>
-        </p:blipFill>
-        <p:spPr bwMode="auto">
-          <a:xfrm>
-            <a:off x="1362270" y="2668572"/>
-            <a:ext cx="7448814" cy="4091457"/>
-          </a:xfrm>
-          <a:prstGeom prst="rect">
-            <a:avLst/>
-          </a:prstGeom>
-          <a:noFill/>
-          <a:ln>
-            <a:noFill/>
-          </a:ln>
-        </p:spPr>
-      </p:pic>
-    </p:spTree>
-    <p:extLst>
-      <p:ext uri="{BB962C8B-B14F-4D97-AF65-F5344CB8AC3E}">
-        <p14:creationId xmlns:p14="http://schemas.microsoft.com/office/powerpoint/2010/main" val="2964323918"/>
-      </p:ext>
-    </p:extLst>
-  </p:cSld>
-  <p:clrMapOvr>
-    <a:masterClrMapping/>
-  </p:clrMapOvr>
-</p:sld>
-</file>
-
-<file path=ppt/slides/slide17.xml><?xml version="1.0" encoding="utf-8"?>
-<p:sld xmlns:a="http://schemas.openxmlformats.org/drawingml/2006/main" xmlns:r="http://schemas.openxmlformats.org/officeDocument/2006/relationships" xmlns:p="http://schemas.openxmlformats.org/presentationml/2006/main">
-  <p:cSld>
-    <p:spTree>
-      <p:nvGrpSpPr>
-        <p:cNvPr id="1" name=""/>
-        <p:cNvGrpSpPr/>
-        <p:nvPr/>
-      </p:nvGrpSpPr>
-      <p:grpSpPr>
-        <a:xfrm>
-          <a:off x="0" y="0"/>
-          <a:ext cx="0" cy="0"/>
-          <a:chOff x="0" y="0"/>
-          <a:chExt cx="0" cy="0"/>
-        </a:xfrm>
-      </p:grpSpPr>
-      <p:sp>
-        <p:nvSpPr>
-          <p:cNvPr id="2" name="Title 1">
-            <a:extLst>
-              <a:ext uri="{FF2B5EF4-FFF2-40B4-BE49-F238E27FC236}">
-                <a16:creationId xmlns:a16="http://schemas.microsoft.com/office/drawing/2014/main" id="{C5B665DA-5B72-4831-B00E-78D6CC53BEE9}"/>
-              </a:ext>
-            </a:extLst>
-          </p:cNvPr>
-          <p:cNvSpPr>
-            <a:spLocks noGrp="1"/>
-          </p:cNvSpPr>
-          <p:nvPr>
-            <p:ph type="title"/>
-          </p:nvPr>
-        </p:nvSpPr>
-        <p:spPr/>
-        <p:txBody>
-          <a:bodyPr/>
-          <a:lstStyle/>
-          <a:p>
-            <a:r>
-              <a:rPr lang="en-US" b="0" i="0" dirty="0">
-                <a:solidFill>
-                  <a:srgbClr val="333333"/>
-                </a:solidFill>
-                <a:effectLst/>
-                <a:latin typeface="Roboto"/>
-              </a:rPr>
-              <a:t>Pitcher</a:t>
-            </a:r>
-            <a:br>
-              <a:rPr lang="en-US" b="0" i="0" dirty="0">
-                <a:solidFill>
-                  <a:srgbClr val="333333"/>
-                </a:solidFill>
-                <a:effectLst/>
-                <a:latin typeface="Roboto"/>
-              </a:rPr>
-            </a:br>
-            <a:r>
-              <a:rPr lang="en-US" b="0" i="0" dirty="0">
-                <a:solidFill>
-                  <a:srgbClr val="333333"/>
-                </a:solidFill>
-                <a:effectLst/>
-                <a:latin typeface="Roboto"/>
-              </a:rPr>
-              <a:t>Recommendation and key findings</a:t>
-            </a:r>
-            <a:endParaRPr lang="en-US" dirty="0"/>
-          </a:p>
-        </p:txBody>
-      </p:sp>
-      <p:sp>
-        <p:nvSpPr>
-          <p:cNvPr id="6" name="Rectangle 4">
-            <a:extLst>
-              <a:ext uri="{FF2B5EF4-FFF2-40B4-BE49-F238E27FC236}">
-                <a16:creationId xmlns:a16="http://schemas.microsoft.com/office/drawing/2014/main" id="{48FB218B-60CA-413C-8471-C68E1F188AAB}"/>
-              </a:ext>
-            </a:extLst>
-          </p:cNvPr>
-          <p:cNvSpPr>
-            <a:spLocks noChangeArrowheads="1"/>
-          </p:cNvSpPr>
-          <p:nvPr/>
-        </p:nvSpPr>
-        <p:spPr bwMode="auto">
-          <a:xfrm>
-            <a:off x="1903445" y="2014537"/>
-            <a:ext cx="12192000" cy="0"/>
-          </a:xfrm>
-          <a:prstGeom prst="rect">
-            <a:avLst/>
-          </a:prstGeom>
-          <a:noFill/>
-          <a:ln>
-            <a:noFill/>
-          </a:ln>
-          <a:effectLst/>
-          <a:extLst>
-            <a:ext uri="{909E8E84-426E-40DD-AFC4-6F175D3DCCD1}">
-              <a14:hiddenFill xmlns:a14="http://schemas.microsoft.com/office/drawing/2010/main">
-                <a:solidFill>
-                  <a:schemeClr val="accent1"/>
-                </a:solidFill>
-              </a14:hiddenFill>
-            </a:ext>
-            <a:ext uri="{91240B29-F687-4F45-9708-019B960494DF}">
-              <a14:hiddenLine xmlns:a14="http://schemas.microsoft.com/office/drawing/2010/main" w="9525">
-                <a:solidFill>
-                  <a:schemeClr val="tx1"/>
-                </a:solidFill>
-                <a:miter lim="800000"/>
-                <a:headEnd/>
-                <a:tailEnd/>
-              </a14:hiddenLine>
-            </a:ext>
-            <a:ext uri="{AF507438-7753-43E0-B8FC-AC1667EBCBE1}">
-              <a14:hiddenEffects xmlns:a14="http://schemas.microsoft.com/office/drawing/2010/main">
-                <a:effectLst>
-                  <a:outerShdw dist="35921" dir="2700000" algn="ctr" rotWithShape="0">
-                    <a:schemeClr val="bg2"/>
-                  </a:outerShdw>
-                </a:effectLst>
-              </a14:hiddenEffects>
-            </a:ext>
-          </a:extLst>
-        </p:spPr>
-        <p:txBody>
-          <a:bodyPr vert="horz" wrap="none" lIns="91440" tIns="45720" rIns="91440" bIns="45720" numCol="1" anchor="ctr" anchorCtr="0" compatLnSpc="1">
-            <a:prstTxWarp prst="textNoShape">
-              <a:avLst/>
-            </a:prstTxWarp>
-            <a:spAutoFit/>
-          </a:bodyPr>
-          <a:lstStyle/>
-          <a:p>
-            <a:endParaRPr lang="en-US"/>
-          </a:p>
-        </p:txBody>
-      </p:sp>
-      <p:sp>
-        <p:nvSpPr>
-          <p:cNvPr id="3" name="Rectangle 2">
-            <a:extLst>
-              <a:ext uri="{FF2B5EF4-FFF2-40B4-BE49-F238E27FC236}">
-                <a16:creationId xmlns:a16="http://schemas.microsoft.com/office/drawing/2014/main" id="{96508F3D-9B27-41AE-BD3B-5AEC7D6FBCC8}"/>
-              </a:ext>
-            </a:extLst>
-          </p:cNvPr>
-          <p:cNvSpPr>
-            <a:spLocks noChangeArrowheads="1"/>
-          </p:cNvSpPr>
-          <p:nvPr/>
-        </p:nvSpPr>
-        <p:spPr bwMode="auto">
-          <a:xfrm flipV="1">
-            <a:off x="-3014232" y="3863974"/>
-            <a:ext cx="19983506" cy="45719"/>
-          </a:xfrm>
-          <a:prstGeom prst="rect">
-            <a:avLst/>
-          </a:prstGeom>
-          <a:noFill/>
-          <a:ln>
-            <a:noFill/>
-          </a:ln>
-          <a:effectLst/>
-          <a:extLst>
-            <a:ext uri="{909E8E84-426E-40DD-AFC4-6F175D3DCCD1}">
-              <a14:hiddenFill xmlns:a14="http://schemas.microsoft.com/office/drawing/2010/main">
-                <a:solidFill>
-                  <a:schemeClr val="accent1"/>
-                </a:solidFill>
-              </a14:hiddenFill>
-            </a:ext>
-            <a:ext uri="{91240B29-F687-4F45-9708-019B960494DF}">
-              <a14:hiddenLine xmlns:a14="http://schemas.microsoft.com/office/drawing/2010/main" w="9525">
-                <a:solidFill>
-                  <a:schemeClr val="tx1"/>
-                </a:solidFill>
-                <a:miter lim="800000"/>
-                <a:headEnd/>
-                <a:tailEnd/>
-              </a14:hiddenLine>
-            </a:ext>
-            <a:ext uri="{AF507438-7753-43E0-B8FC-AC1667EBCBE1}">
-              <a14:hiddenEffects xmlns:a14="http://schemas.microsoft.com/office/drawing/2010/main">
-                <a:effectLst>
-                  <a:outerShdw dist="35921" dir="2700000" algn="ctr" rotWithShape="0">
-                    <a:schemeClr val="bg2"/>
-                  </a:outerShdw>
-                </a:effectLst>
-              </a14:hiddenEffects>
-            </a:ext>
-          </a:extLst>
-        </p:spPr>
-        <p:txBody>
-          <a:bodyPr vert="horz" wrap="square" lIns="91440" tIns="45720" rIns="91440" bIns="45720" numCol="1" anchor="ctr" anchorCtr="0" compatLnSpc="1">
-            <a:prstTxWarp prst="textNoShape">
-              <a:avLst/>
-            </a:prstTxWarp>
-            <a:spAutoFit/>
-          </a:bodyPr>
-          <a:lstStyle/>
-          <a:p>
-            <a:endParaRPr lang="en-US"/>
-          </a:p>
-        </p:txBody>
-      </p:sp>
-      <p:sp>
-        <p:nvSpPr>
-          <p:cNvPr id="5" name="Rectangle 2">
-            <a:extLst>
-              <a:ext uri="{FF2B5EF4-FFF2-40B4-BE49-F238E27FC236}">
-                <a16:creationId xmlns:a16="http://schemas.microsoft.com/office/drawing/2014/main" id="{49D1EC6E-71C2-492E-80F9-845E90CEEA24}"/>
-              </a:ext>
-            </a:extLst>
-          </p:cNvPr>
-          <p:cNvSpPr>
-            <a:spLocks noChangeArrowheads="1"/>
-          </p:cNvSpPr>
-          <p:nvPr/>
-        </p:nvSpPr>
-        <p:spPr bwMode="auto">
-          <a:xfrm flipV="1">
-            <a:off x="-3187550" y="3883547"/>
-            <a:ext cx="20586032" cy="45719"/>
-          </a:xfrm>
-          <a:prstGeom prst="rect">
-            <a:avLst/>
-          </a:prstGeom>
-          <a:noFill/>
-          <a:ln>
-            <a:noFill/>
-          </a:ln>
-          <a:effectLst/>
-          <a:extLst>
-            <a:ext uri="{909E8E84-426E-40DD-AFC4-6F175D3DCCD1}">
-              <a14:hiddenFill xmlns:a14="http://schemas.microsoft.com/office/drawing/2010/main">
-                <a:solidFill>
-                  <a:schemeClr val="accent1"/>
-                </a:solidFill>
-              </a14:hiddenFill>
-            </a:ext>
-            <a:ext uri="{91240B29-F687-4F45-9708-019B960494DF}">
-              <a14:hiddenLine xmlns:a14="http://schemas.microsoft.com/office/drawing/2010/main" w="9525">
-                <a:solidFill>
-                  <a:schemeClr val="tx1"/>
-                </a:solidFill>
-                <a:miter lim="800000"/>
-                <a:headEnd/>
-                <a:tailEnd/>
-              </a14:hiddenLine>
-            </a:ext>
-            <a:ext uri="{AF507438-7753-43E0-B8FC-AC1667EBCBE1}">
-              <a14:hiddenEffects xmlns:a14="http://schemas.microsoft.com/office/drawing/2010/main">
-                <a:effectLst>
-                  <a:outerShdw dist="35921" dir="2700000" algn="ctr" rotWithShape="0">
-                    <a:schemeClr val="bg2"/>
-                  </a:outerShdw>
-                </a:effectLst>
-              </a14:hiddenEffects>
-            </a:ext>
-          </a:extLst>
-        </p:spPr>
-        <p:txBody>
-          <a:bodyPr vert="horz" wrap="square" lIns="91440" tIns="45720" rIns="91440" bIns="45720" numCol="1" anchor="ctr" anchorCtr="0" compatLnSpc="1">
-            <a:prstTxWarp prst="textNoShape">
-              <a:avLst/>
-            </a:prstTxWarp>
-            <a:spAutoFit/>
-          </a:bodyPr>
-          <a:lstStyle/>
-          <a:p>
-            <a:endParaRPr lang="en-US"/>
-          </a:p>
-        </p:txBody>
-      </p:sp>
-      <p:sp>
-        <p:nvSpPr>
-          <p:cNvPr id="4" name="Rectangle 2">
-            <a:extLst>
-              <a:ext uri="{FF2B5EF4-FFF2-40B4-BE49-F238E27FC236}">
-                <a16:creationId xmlns:a16="http://schemas.microsoft.com/office/drawing/2014/main" id="{EF989EA6-CBCE-42FE-8920-DB405AFBCBFE}"/>
-              </a:ext>
-            </a:extLst>
-          </p:cNvPr>
-          <p:cNvSpPr>
-            <a:spLocks noChangeArrowheads="1"/>
-          </p:cNvSpPr>
-          <p:nvPr/>
-        </p:nvSpPr>
-        <p:spPr bwMode="auto">
-          <a:xfrm flipV="1">
-            <a:off x="610411" y="2802361"/>
-            <a:ext cx="15220928" cy="45719"/>
-          </a:xfrm>
-          <a:prstGeom prst="rect">
-            <a:avLst/>
-          </a:prstGeom>
-          <a:noFill/>
-          <a:ln>
-            <a:noFill/>
-          </a:ln>
-          <a:effectLst/>
-          <a:extLst>
-            <a:ext uri="{909E8E84-426E-40DD-AFC4-6F175D3DCCD1}">
-              <a14:hiddenFill xmlns:a14="http://schemas.microsoft.com/office/drawing/2010/main">
-                <a:solidFill>
-                  <a:schemeClr val="accent1"/>
-                </a:solidFill>
-              </a14:hiddenFill>
-            </a:ext>
-            <a:ext uri="{91240B29-F687-4F45-9708-019B960494DF}">
-              <a14:hiddenLine xmlns:a14="http://schemas.microsoft.com/office/drawing/2010/main" w="9525">
-                <a:solidFill>
-                  <a:schemeClr val="tx1"/>
-                </a:solidFill>
-                <a:miter lim="800000"/>
-                <a:headEnd/>
-                <a:tailEnd/>
-              </a14:hiddenLine>
-            </a:ext>
-            <a:ext uri="{AF507438-7753-43E0-B8FC-AC1667EBCBE1}">
-              <a14:hiddenEffects xmlns:a14="http://schemas.microsoft.com/office/drawing/2010/main">
-                <a:effectLst>
-                  <a:outerShdw dist="35921" dir="2700000" algn="ctr" rotWithShape="0">
-                    <a:schemeClr val="bg2"/>
-                  </a:outerShdw>
-                </a:effectLst>
-              </a14:hiddenEffects>
-            </a:ext>
-          </a:extLst>
-        </p:spPr>
-        <p:txBody>
-          <a:bodyPr vert="horz" wrap="square" lIns="91440" tIns="45720" rIns="91440" bIns="45720" numCol="1" anchor="ctr" anchorCtr="0" compatLnSpc="1">
-            <a:prstTxWarp prst="textNoShape">
-              <a:avLst/>
-            </a:prstTxWarp>
-            <a:spAutoFit/>
-          </a:bodyPr>
-          <a:lstStyle/>
-          <a:p>
-            <a:endParaRPr lang="en-US"/>
-          </a:p>
-        </p:txBody>
-      </p:sp>
-      <p:pic>
-        <p:nvPicPr>
-          <p:cNvPr id="9" name="Picture 8">
-            <a:extLst>
-              <a:ext uri="{FF2B5EF4-FFF2-40B4-BE49-F238E27FC236}">
-                <a16:creationId xmlns:a16="http://schemas.microsoft.com/office/drawing/2014/main" id="{149C1E98-F0CB-4301-935B-E5620237042A}"/>
-              </a:ext>
-            </a:extLst>
-          </p:cNvPr>
-          <p:cNvPicPr/>
-          <p:nvPr/>
-        </p:nvPicPr>
-        <p:blipFill>
-          <a:blip r:embed="rId2">
-            <a:extLst>
-              <a:ext uri="{28A0092B-C50C-407E-A947-70E740481C1C}">
-                <a14:useLocalDpi xmlns:a14="http://schemas.microsoft.com/office/drawing/2010/main" val="0"/>
-              </a:ext>
-            </a:extLst>
-          </a:blip>
-          <a:srcRect/>
-          <a:stretch>
-            <a:fillRect/>
-          </a:stretch>
-        </p:blipFill>
-        <p:spPr bwMode="auto">
-          <a:xfrm>
-            <a:off x="1187709" y="2014537"/>
-            <a:ext cx="3695700" cy="2524125"/>
-          </a:xfrm>
-          <a:prstGeom prst="rect">
-            <a:avLst/>
-          </a:prstGeom>
-          <a:noFill/>
-          <a:ln>
-            <a:noFill/>
-          </a:ln>
-        </p:spPr>
-      </p:pic>
-      <p:pic>
-        <p:nvPicPr>
-          <p:cNvPr id="10" name="Picture 9">
-            <a:extLst>
-              <a:ext uri="{FF2B5EF4-FFF2-40B4-BE49-F238E27FC236}">
-                <a16:creationId xmlns:a16="http://schemas.microsoft.com/office/drawing/2014/main" id="{B293384A-39E6-46F2-B67A-7F709836586F}"/>
-              </a:ext>
-            </a:extLst>
-          </p:cNvPr>
-          <p:cNvPicPr/>
-          <p:nvPr/>
-        </p:nvPicPr>
-        <p:blipFill>
-          <a:blip r:embed="rId3">
-            <a:extLst>
-              <a:ext uri="{28A0092B-C50C-407E-A947-70E740481C1C}">
-                <a14:useLocalDpi xmlns:a14="http://schemas.microsoft.com/office/drawing/2010/main" val="0"/>
-              </a:ext>
-            </a:extLst>
-          </a:blip>
-          <a:srcRect/>
-          <a:stretch>
-            <a:fillRect/>
-          </a:stretch>
-        </p:blipFill>
-        <p:spPr bwMode="auto">
-          <a:xfrm>
-            <a:off x="6096000" y="2148148"/>
-            <a:ext cx="3829050" cy="2628900"/>
-          </a:xfrm>
-          <a:prstGeom prst="rect">
-            <a:avLst/>
-          </a:prstGeom>
-          <a:noFill/>
-          <a:ln>
-            <a:noFill/>
-          </a:ln>
-        </p:spPr>
-      </p:pic>
-      <p:pic>
-        <p:nvPicPr>
-          <p:cNvPr id="11" name="Picture 10">
-            <a:extLst>
-              <a:ext uri="{FF2B5EF4-FFF2-40B4-BE49-F238E27FC236}">
-                <a16:creationId xmlns:a16="http://schemas.microsoft.com/office/drawing/2014/main" id="{B80BFCB2-9B5E-40F4-8A79-653EED564DEB}"/>
-              </a:ext>
-            </a:extLst>
-          </p:cNvPr>
-          <p:cNvPicPr/>
-          <p:nvPr/>
-        </p:nvPicPr>
-        <p:blipFill>
-          <a:blip r:embed="rId4">
-            <a:extLst>
-              <a:ext uri="{28A0092B-C50C-407E-A947-70E740481C1C}">
-                <a14:useLocalDpi xmlns:a14="http://schemas.microsoft.com/office/drawing/2010/main" val="0"/>
-              </a:ext>
-            </a:extLst>
-          </a:blip>
-          <a:srcRect/>
-          <a:stretch>
-            <a:fillRect/>
-          </a:stretch>
-        </p:blipFill>
-        <p:spPr bwMode="auto">
-          <a:xfrm>
-            <a:off x="926646" y="4777048"/>
-            <a:ext cx="3838575" cy="2562225"/>
-          </a:xfrm>
-          <a:prstGeom prst="rect">
-            <a:avLst/>
-          </a:prstGeom>
-          <a:noFill/>
-          <a:ln>
-            <a:noFill/>
-          </a:ln>
-        </p:spPr>
-      </p:pic>
-      <p:pic>
-        <p:nvPicPr>
-          <p:cNvPr id="12" name="Picture 11">
-            <a:extLst>
-              <a:ext uri="{FF2B5EF4-FFF2-40B4-BE49-F238E27FC236}">
-                <a16:creationId xmlns:a16="http://schemas.microsoft.com/office/drawing/2014/main" id="{2AB93DD8-62A7-4CC1-A8D1-CFE3F60EB67F}"/>
-              </a:ext>
-            </a:extLst>
-          </p:cNvPr>
-          <p:cNvPicPr/>
-          <p:nvPr/>
-        </p:nvPicPr>
-        <p:blipFill>
-          <a:blip r:embed="rId5">
-            <a:extLst>
-              <a:ext uri="{28A0092B-C50C-407E-A947-70E740481C1C}">
-                <a14:useLocalDpi xmlns:a14="http://schemas.microsoft.com/office/drawing/2010/main" val="0"/>
-              </a:ext>
-            </a:extLst>
-          </a:blip>
-          <a:srcRect/>
-          <a:stretch>
-            <a:fillRect/>
-          </a:stretch>
-        </p:blipFill>
-        <p:spPr bwMode="auto">
-          <a:xfrm>
-            <a:off x="6096000" y="4997450"/>
-            <a:ext cx="3648075" cy="2990850"/>
-          </a:xfrm>
-          <a:prstGeom prst="rect">
-            <a:avLst/>
-          </a:prstGeom>
-          <a:noFill/>
-          <a:ln>
-            <a:noFill/>
-          </a:ln>
-        </p:spPr>
-      </p:pic>
-    </p:spTree>
-    <p:extLst>
-      <p:ext uri="{BB962C8B-B14F-4D97-AF65-F5344CB8AC3E}">
-        <p14:creationId xmlns:p14="http://schemas.microsoft.com/office/powerpoint/2010/main" val="482168861"/>
-      </p:ext>
-    </p:extLst>
-  </p:cSld>
-  <p:clrMapOvr>
-    <a:masterClrMapping/>
-  </p:clrMapOvr>
-</p:sld>
-</file>
-
-<file path=ppt/slides/slide18.xml><?xml version="1.0" encoding="utf-8"?>
-<p:sld xmlns:a="http://schemas.openxmlformats.org/drawingml/2006/main" xmlns:r="http://schemas.openxmlformats.org/officeDocument/2006/relationships" xmlns:p="http://schemas.openxmlformats.org/presentationml/2006/main">
-  <p:cSld>
-    <p:spTree>
-      <p:nvGrpSpPr>
-        <p:cNvPr id="1" name=""/>
-        <p:cNvGrpSpPr/>
-        <p:nvPr/>
-      </p:nvGrpSpPr>
-      <p:grpSpPr>
-        <a:xfrm>
-          <a:off x="0" y="0"/>
-          <a:ext cx="0" cy="0"/>
-          <a:chOff x="0" y="0"/>
-          <a:chExt cx="0" cy="0"/>
-        </a:xfrm>
-      </p:grpSpPr>
-      <p:sp>
-        <p:nvSpPr>
-          <p:cNvPr id="2" name="Title 1">
-            <a:extLst>
-              <a:ext uri="{FF2B5EF4-FFF2-40B4-BE49-F238E27FC236}">
-                <a16:creationId xmlns:a16="http://schemas.microsoft.com/office/drawing/2014/main" id="{C5B665DA-5B72-4831-B00E-78D6CC53BEE9}"/>
-              </a:ext>
-            </a:extLst>
-          </p:cNvPr>
-          <p:cNvSpPr>
-            <a:spLocks noGrp="1"/>
-          </p:cNvSpPr>
-          <p:nvPr>
-            <p:ph type="title"/>
-          </p:nvPr>
-        </p:nvSpPr>
-        <p:spPr/>
-        <p:txBody>
-          <a:bodyPr/>
-          <a:lstStyle/>
-          <a:p>
-            <a:r>
-              <a:rPr lang="en-US" b="0" i="0" dirty="0">
-                <a:solidFill>
-                  <a:srgbClr val="333333"/>
-                </a:solidFill>
-                <a:effectLst/>
-                <a:latin typeface="Roboto"/>
-              </a:rPr>
-              <a:t>Pitcher</a:t>
-            </a:r>
-            <a:br>
-              <a:rPr lang="en-US" b="0" i="0" dirty="0">
-                <a:solidFill>
-                  <a:srgbClr val="333333"/>
-                </a:solidFill>
-                <a:effectLst/>
-                <a:latin typeface="Roboto"/>
-              </a:rPr>
-            </a:br>
-            <a:r>
-              <a:rPr lang="en-US" b="0" i="0" dirty="0">
-                <a:solidFill>
-                  <a:srgbClr val="333333"/>
-                </a:solidFill>
-                <a:effectLst/>
-                <a:latin typeface="Roboto"/>
-              </a:rPr>
-              <a:t>Recommendation and key findings</a:t>
-            </a:r>
-            <a:endParaRPr lang="en-US" dirty="0"/>
-          </a:p>
-        </p:txBody>
-      </p:sp>
-      <p:sp>
-        <p:nvSpPr>
-          <p:cNvPr id="6" name="Rectangle 4">
-            <a:extLst>
-              <a:ext uri="{FF2B5EF4-FFF2-40B4-BE49-F238E27FC236}">
-                <a16:creationId xmlns:a16="http://schemas.microsoft.com/office/drawing/2014/main" id="{48FB218B-60CA-413C-8471-C68E1F188AAB}"/>
-              </a:ext>
-            </a:extLst>
-          </p:cNvPr>
-          <p:cNvSpPr>
-            <a:spLocks noChangeArrowheads="1"/>
-          </p:cNvSpPr>
-          <p:nvPr/>
-        </p:nvSpPr>
-        <p:spPr bwMode="auto">
-          <a:xfrm>
-            <a:off x="1903445" y="2014537"/>
-            <a:ext cx="12192000" cy="0"/>
-          </a:xfrm>
-          <a:prstGeom prst="rect">
-            <a:avLst/>
-          </a:prstGeom>
-          <a:noFill/>
-          <a:ln>
-            <a:noFill/>
-          </a:ln>
-          <a:effectLst/>
-          <a:extLst>
-            <a:ext uri="{909E8E84-426E-40DD-AFC4-6F175D3DCCD1}">
-              <a14:hiddenFill xmlns:a14="http://schemas.microsoft.com/office/drawing/2010/main">
-                <a:solidFill>
-                  <a:schemeClr val="accent1"/>
-                </a:solidFill>
-              </a14:hiddenFill>
-            </a:ext>
-            <a:ext uri="{91240B29-F687-4F45-9708-019B960494DF}">
-              <a14:hiddenLine xmlns:a14="http://schemas.microsoft.com/office/drawing/2010/main" w="9525">
-                <a:solidFill>
-                  <a:schemeClr val="tx1"/>
-                </a:solidFill>
-                <a:miter lim="800000"/>
-                <a:headEnd/>
-                <a:tailEnd/>
-              </a14:hiddenLine>
-            </a:ext>
-            <a:ext uri="{AF507438-7753-43E0-B8FC-AC1667EBCBE1}">
-              <a14:hiddenEffects xmlns:a14="http://schemas.microsoft.com/office/drawing/2010/main">
-                <a:effectLst>
-                  <a:outerShdw dist="35921" dir="2700000" algn="ctr" rotWithShape="0">
-                    <a:schemeClr val="bg2"/>
-                  </a:outerShdw>
-                </a:effectLst>
-              </a14:hiddenEffects>
-            </a:ext>
-          </a:extLst>
-        </p:spPr>
-        <p:txBody>
-          <a:bodyPr vert="horz" wrap="none" lIns="91440" tIns="45720" rIns="91440" bIns="45720" numCol="1" anchor="ctr" anchorCtr="0" compatLnSpc="1">
-            <a:prstTxWarp prst="textNoShape">
-              <a:avLst/>
-            </a:prstTxWarp>
-            <a:spAutoFit/>
-          </a:bodyPr>
-          <a:lstStyle/>
-          <a:p>
-            <a:endParaRPr lang="en-US"/>
-          </a:p>
-        </p:txBody>
-      </p:sp>
-      <p:sp>
-        <p:nvSpPr>
-          <p:cNvPr id="3" name="Rectangle 2">
-            <a:extLst>
-              <a:ext uri="{FF2B5EF4-FFF2-40B4-BE49-F238E27FC236}">
-                <a16:creationId xmlns:a16="http://schemas.microsoft.com/office/drawing/2014/main" id="{96508F3D-9B27-41AE-BD3B-5AEC7D6FBCC8}"/>
-              </a:ext>
-            </a:extLst>
-          </p:cNvPr>
-          <p:cNvSpPr>
-            <a:spLocks noChangeArrowheads="1"/>
-          </p:cNvSpPr>
-          <p:nvPr/>
-        </p:nvSpPr>
-        <p:spPr bwMode="auto">
-          <a:xfrm flipV="1">
-            <a:off x="-3014232" y="3863974"/>
-            <a:ext cx="19983506" cy="45719"/>
-          </a:xfrm>
-          <a:prstGeom prst="rect">
-            <a:avLst/>
-          </a:prstGeom>
-          <a:noFill/>
-          <a:ln>
-            <a:noFill/>
-          </a:ln>
-          <a:effectLst/>
-          <a:extLst>
-            <a:ext uri="{909E8E84-426E-40DD-AFC4-6F175D3DCCD1}">
-              <a14:hiddenFill xmlns:a14="http://schemas.microsoft.com/office/drawing/2010/main">
-                <a:solidFill>
-                  <a:schemeClr val="accent1"/>
-                </a:solidFill>
-              </a14:hiddenFill>
-            </a:ext>
-            <a:ext uri="{91240B29-F687-4F45-9708-019B960494DF}">
-              <a14:hiddenLine xmlns:a14="http://schemas.microsoft.com/office/drawing/2010/main" w="9525">
-                <a:solidFill>
-                  <a:schemeClr val="tx1"/>
-                </a:solidFill>
-                <a:miter lim="800000"/>
-                <a:headEnd/>
-                <a:tailEnd/>
-              </a14:hiddenLine>
-            </a:ext>
-            <a:ext uri="{AF507438-7753-43E0-B8FC-AC1667EBCBE1}">
-              <a14:hiddenEffects xmlns:a14="http://schemas.microsoft.com/office/drawing/2010/main">
-                <a:effectLst>
-                  <a:outerShdw dist="35921" dir="2700000" algn="ctr" rotWithShape="0">
-                    <a:schemeClr val="bg2"/>
-                  </a:outerShdw>
-                </a:effectLst>
-              </a14:hiddenEffects>
-            </a:ext>
-          </a:extLst>
-        </p:spPr>
-        <p:txBody>
-          <a:bodyPr vert="horz" wrap="square" lIns="91440" tIns="45720" rIns="91440" bIns="45720" numCol="1" anchor="ctr" anchorCtr="0" compatLnSpc="1">
-            <a:prstTxWarp prst="textNoShape">
-              <a:avLst/>
-            </a:prstTxWarp>
-            <a:spAutoFit/>
-          </a:bodyPr>
-          <a:lstStyle/>
-          <a:p>
-            <a:endParaRPr lang="en-US"/>
-          </a:p>
-        </p:txBody>
-      </p:sp>
-      <p:sp>
-        <p:nvSpPr>
-          <p:cNvPr id="5" name="Rectangle 2">
-            <a:extLst>
-              <a:ext uri="{FF2B5EF4-FFF2-40B4-BE49-F238E27FC236}">
-                <a16:creationId xmlns:a16="http://schemas.microsoft.com/office/drawing/2014/main" id="{49D1EC6E-71C2-492E-80F9-845E90CEEA24}"/>
-              </a:ext>
-            </a:extLst>
-          </p:cNvPr>
-          <p:cNvSpPr>
-            <a:spLocks noChangeArrowheads="1"/>
-          </p:cNvSpPr>
-          <p:nvPr/>
-        </p:nvSpPr>
-        <p:spPr bwMode="auto">
-          <a:xfrm flipV="1">
-            <a:off x="-3187550" y="3883547"/>
-            <a:ext cx="20586032" cy="45719"/>
-          </a:xfrm>
-          <a:prstGeom prst="rect">
-            <a:avLst/>
-          </a:prstGeom>
-          <a:noFill/>
-          <a:ln>
-            <a:noFill/>
-          </a:ln>
-          <a:effectLst/>
-          <a:extLst>
-            <a:ext uri="{909E8E84-426E-40DD-AFC4-6F175D3DCCD1}">
-              <a14:hiddenFill xmlns:a14="http://schemas.microsoft.com/office/drawing/2010/main">
-                <a:solidFill>
-                  <a:schemeClr val="accent1"/>
-                </a:solidFill>
-              </a14:hiddenFill>
-            </a:ext>
-            <a:ext uri="{91240B29-F687-4F45-9708-019B960494DF}">
-              <a14:hiddenLine xmlns:a14="http://schemas.microsoft.com/office/drawing/2010/main" w="9525">
-                <a:solidFill>
-                  <a:schemeClr val="tx1"/>
-                </a:solidFill>
-                <a:miter lim="800000"/>
-                <a:headEnd/>
-                <a:tailEnd/>
-              </a14:hiddenLine>
-            </a:ext>
-            <a:ext uri="{AF507438-7753-43E0-B8FC-AC1667EBCBE1}">
-              <a14:hiddenEffects xmlns:a14="http://schemas.microsoft.com/office/drawing/2010/main">
-                <a:effectLst>
-                  <a:outerShdw dist="35921" dir="2700000" algn="ctr" rotWithShape="0">
-                    <a:schemeClr val="bg2"/>
-                  </a:outerShdw>
-                </a:effectLst>
-              </a14:hiddenEffects>
-            </a:ext>
-          </a:extLst>
-        </p:spPr>
-        <p:txBody>
-          <a:bodyPr vert="horz" wrap="square" lIns="91440" tIns="45720" rIns="91440" bIns="45720" numCol="1" anchor="ctr" anchorCtr="0" compatLnSpc="1">
-            <a:prstTxWarp prst="textNoShape">
-              <a:avLst/>
-            </a:prstTxWarp>
-            <a:spAutoFit/>
-          </a:bodyPr>
-          <a:lstStyle/>
-          <a:p>
-            <a:endParaRPr lang="en-US"/>
-          </a:p>
-        </p:txBody>
-      </p:sp>
-      <p:sp>
-        <p:nvSpPr>
-          <p:cNvPr id="4" name="Rectangle 2">
-            <a:extLst>
-              <a:ext uri="{FF2B5EF4-FFF2-40B4-BE49-F238E27FC236}">
-                <a16:creationId xmlns:a16="http://schemas.microsoft.com/office/drawing/2014/main" id="{EF989EA6-CBCE-42FE-8920-DB405AFBCBFE}"/>
-              </a:ext>
-            </a:extLst>
-          </p:cNvPr>
-          <p:cNvSpPr>
-            <a:spLocks noChangeArrowheads="1"/>
-          </p:cNvSpPr>
-          <p:nvPr/>
-        </p:nvSpPr>
-        <p:spPr bwMode="auto">
-          <a:xfrm flipV="1">
-            <a:off x="610411" y="2802361"/>
-            <a:ext cx="15220928" cy="45719"/>
-          </a:xfrm>
-          <a:prstGeom prst="rect">
-            <a:avLst/>
-          </a:prstGeom>
-          <a:noFill/>
-          <a:ln>
-            <a:noFill/>
-          </a:ln>
-          <a:effectLst/>
-          <a:extLst>
-            <a:ext uri="{909E8E84-426E-40DD-AFC4-6F175D3DCCD1}">
-              <a14:hiddenFill xmlns:a14="http://schemas.microsoft.com/office/drawing/2010/main">
-                <a:solidFill>
-                  <a:schemeClr val="accent1"/>
-                </a:solidFill>
-              </a14:hiddenFill>
-            </a:ext>
-            <a:ext uri="{91240B29-F687-4F45-9708-019B960494DF}">
-              <a14:hiddenLine xmlns:a14="http://schemas.microsoft.com/office/drawing/2010/main" w="9525">
-                <a:solidFill>
-                  <a:schemeClr val="tx1"/>
-                </a:solidFill>
-                <a:miter lim="800000"/>
-                <a:headEnd/>
-                <a:tailEnd/>
-              </a14:hiddenLine>
-            </a:ext>
-            <a:ext uri="{AF507438-7753-43E0-B8FC-AC1667EBCBE1}">
-              <a14:hiddenEffects xmlns:a14="http://schemas.microsoft.com/office/drawing/2010/main">
-                <a:effectLst>
-                  <a:outerShdw dist="35921" dir="2700000" algn="ctr" rotWithShape="0">
-                    <a:schemeClr val="bg2"/>
-                  </a:outerShdw>
-                </a:effectLst>
-              </a14:hiddenEffects>
-            </a:ext>
-          </a:extLst>
-        </p:spPr>
-        <p:txBody>
-          <a:bodyPr vert="horz" wrap="square" lIns="91440" tIns="45720" rIns="91440" bIns="45720" numCol="1" anchor="ctr" anchorCtr="0" compatLnSpc="1">
-            <a:prstTxWarp prst="textNoShape">
-              <a:avLst/>
-            </a:prstTxWarp>
-            <a:spAutoFit/>
-          </a:bodyPr>
-          <a:lstStyle/>
-          <a:p>
-            <a:endParaRPr lang="en-US"/>
-          </a:p>
-        </p:txBody>
-      </p:sp>
-      <p:pic>
-        <p:nvPicPr>
-          <p:cNvPr id="13" name="Picture 12">
-            <a:extLst>
-              <a:ext uri="{FF2B5EF4-FFF2-40B4-BE49-F238E27FC236}">
-                <a16:creationId xmlns:a16="http://schemas.microsoft.com/office/drawing/2014/main" id="{C60DD531-B0CE-4B17-B37F-75B3F6305A4E}"/>
-              </a:ext>
-            </a:extLst>
-          </p:cNvPr>
-          <p:cNvPicPr/>
-          <p:nvPr/>
-        </p:nvPicPr>
-        <p:blipFill>
-          <a:blip r:embed="rId2">
-            <a:extLst>
-              <a:ext uri="{28A0092B-C50C-407E-A947-70E740481C1C}">
-                <a14:useLocalDpi xmlns:a14="http://schemas.microsoft.com/office/drawing/2010/main" val="0"/>
-              </a:ext>
-            </a:extLst>
-          </a:blip>
-          <a:srcRect/>
-          <a:stretch>
-            <a:fillRect/>
-          </a:stretch>
-        </p:blipFill>
-        <p:spPr bwMode="auto">
-          <a:xfrm>
-            <a:off x="1455576" y="2668560"/>
-            <a:ext cx="7378764" cy="3824315"/>
-          </a:xfrm>
-          <a:prstGeom prst="rect">
-            <a:avLst/>
-          </a:prstGeom>
-          <a:noFill/>
-          <a:ln>
-            <a:noFill/>
-          </a:ln>
-        </p:spPr>
-      </p:pic>
-    </p:spTree>
-    <p:extLst>
-      <p:ext uri="{BB962C8B-B14F-4D97-AF65-F5344CB8AC3E}">
-        <p14:creationId xmlns:p14="http://schemas.microsoft.com/office/powerpoint/2010/main" val="594740333"/>
-      </p:ext>
-    </p:extLst>
-  </p:cSld>
-  <p:clrMapOvr>
-    <a:masterClrMapping/>
-  </p:clrMapOvr>
-</p:sld>
-</file>
-
-<file path=ppt/slides/slide19.xml><?xml version="1.0" encoding="utf-8"?>
-<p:sld xmlns:a="http://schemas.openxmlformats.org/drawingml/2006/main" xmlns:r="http://schemas.openxmlformats.org/officeDocument/2006/relationships" xmlns:p="http://schemas.openxmlformats.org/presentationml/2006/main">
-  <p:cSld>
-    <p:spTree>
-      <p:nvGrpSpPr>
-        <p:cNvPr id="1" name=""/>
-        <p:cNvGrpSpPr/>
-        <p:nvPr/>
-      </p:nvGrpSpPr>
-      <p:grpSpPr>
-        <a:xfrm>
-          <a:off x="0" y="0"/>
-          <a:ext cx="0" cy="0"/>
-          <a:chOff x="0" y="0"/>
-          <a:chExt cx="0" cy="0"/>
-        </a:xfrm>
-      </p:grpSpPr>
-      <p:sp>
-        <p:nvSpPr>
-          <p:cNvPr id="2" name="Title 1">
-            <a:extLst>
-              <a:ext uri="{FF2B5EF4-FFF2-40B4-BE49-F238E27FC236}">
                 <a16:creationId xmlns:a16="http://schemas.microsoft.com/office/drawing/2014/main" id="{AF092AD9-27F9-43C4-A173-FE985A1CE998}"/>
               </a:ext>
             </a:extLst>
@@ -6945,125 +4113,7 @@
 </p:sld>
 </file>
 
-<file path=ppt/slides/slide2.xml><?xml version="1.0" encoding="utf-8"?>
-<p:sld xmlns:a="http://schemas.openxmlformats.org/drawingml/2006/main" xmlns:r="http://schemas.openxmlformats.org/officeDocument/2006/relationships" xmlns:p="http://schemas.openxmlformats.org/presentationml/2006/main">
-  <p:cSld>
-    <p:spTree>
-      <p:nvGrpSpPr>
-        <p:cNvPr id="1" name=""/>
-        <p:cNvGrpSpPr/>
-        <p:nvPr/>
-      </p:nvGrpSpPr>
-      <p:grpSpPr>
-        <a:xfrm>
-          <a:off x="0" y="0"/>
-          <a:ext cx="0" cy="0"/>
-          <a:chOff x="0" y="0"/>
-          <a:chExt cx="0" cy="0"/>
-        </a:xfrm>
-      </p:grpSpPr>
-      <p:sp>
-        <p:nvSpPr>
-          <p:cNvPr id="2" name="Title 1">
-            <a:extLst>
-              <a:ext uri="{FF2B5EF4-FFF2-40B4-BE49-F238E27FC236}">
-                <a16:creationId xmlns:a16="http://schemas.microsoft.com/office/drawing/2014/main" id="{92EB2340-E3BD-46BF-A749-E0B6967BC64E}"/>
-              </a:ext>
-            </a:extLst>
-          </p:cNvPr>
-          <p:cNvSpPr>
-            <a:spLocks noGrp="1"/>
-          </p:cNvSpPr>
-          <p:nvPr>
-            <p:ph type="title"/>
-          </p:nvPr>
-        </p:nvSpPr>
-        <p:spPr/>
-        <p:txBody>
-          <a:bodyPr/>
-          <a:lstStyle/>
-          <a:p>
-            <a:r>
-              <a:rPr lang="en-US" b="0" i="0" dirty="0">
-                <a:solidFill>
-                  <a:srgbClr val="333333"/>
-                </a:solidFill>
-                <a:effectLst/>
-                <a:latin typeface="Roboto"/>
-              </a:rPr>
-              <a:t>Problem identification</a:t>
-            </a:r>
-            <a:endParaRPr lang="en-US" dirty="0"/>
-          </a:p>
-        </p:txBody>
-      </p:sp>
-      <p:sp>
-        <p:nvSpPr>
-          <p:cNvPr id="3" name="Content Placeholder 2">
-            <a:extLst>
-              <a:ext uri="{FF2B5EF4-FFF2-40B4-BE49-F238E27FC236}">
-                <a16:creationId xmlns:a16="http://schemas.microsoft.com/office/drawing/2014/main" id="{C727B603-D9FD-4D6A-8892-D2F1387293D6}"/>
-              </a:ext>
-            </a:extLst>
-          </p:cNvPr>
-          <p:cNvSpPr>
-            <a:spLocks noGrp="1"/>
-          </p:cNvSpPr>
-          <p:nvPr>
-            <p:ph idx="1"/>
-          </p:nvPr>
-        </p:nvSpPr>
-        <p:spPr/>
-        <p:txBody>
-          <a:bodyPr/>
-          <a:lstStyle/>
-          <a:p>
-            <a:pPr marL="0" marR="0">
-              <a:lnSpc>
-                <a:spcPct val="105000"/>
-              </a:lnSpc>
-              <a:spcBef>
-                <a:spcPts val="0"/>
-              </a:spcBef>
-              <a:spcAft>
-                <a:spcPts val="0"/>
-              </a:spcAft>
-            </a:pPr>
-            <a:r>
-              <a:rPr lang="en-US" sz="1800" dirty="0">
-                <a:solidFill>
-                  <a:srgbClr val="333333"/>
-                </a:solidFill>
-                <a:effectLst/>
-                <a:latin typeface="Calibri" panose="020F0502020204030204" pitchFamily="34" charset="0"/>
-                <a:ea typeface="Calibri" panose="020F0502020204030204" pitchFamily="34" charset="0"/>
-                <a:cs typeface="Calibri" panose="020F0502020204030204" pitchFamily="34" charset="0"/>
-              </a:rPr>
-              <a:t>San Francisco Giants wants to buy player and they are asking the evaluation of the players on the market to buy.</a:t>
-            </a:r>
-            <a:endParaRPr lang="en-US" sz="1800" dirty="0">
-              <a:effectLst/>
-              <a:latin typeface="Calibri" panose="020F0502020204030204" pitchFamily="34" charset="0"/>
-              <a:ea typeface="Calibri" panose="020F0502020204030204" pitchFamily="34" charset="0"/>
-              <a:cs typeface="Times New Roman" panose="02020603050405020304" pitchFamily="18" charset="0"/>
-            </a:endParaRPr>
-          </a:p>
-        </p:txBody>
-      </p:sp>
-    </p:spTree>
-    <p:extLst>
-      <p:ext uri="{BB962C8B-B14F-4D97-AF65-F5344CB8AC3E}">
-        <p14:creationId xmlns:p14="http://schemas.microsoft.com/office/powerpoint/2010/main" val="2872820321"/>
-      </p:ext>
-    </p:extLst>
-  </p:cSld>
-  <p:clrMapOvr>
-    <a:masterClrMapping/>
-  </p:clrMapOvr>
-</p:sld>
-</file>
-
-<file path=ppt/slides/slide20.xml><?xml version="1.0" encoding="utf-8"?>
+<file path=ppt/slides/slide13.xml><?xml version="1.0" encoding="utf-8"?>
 <p:sld xmlns:a="http://schemas.openxmlformats.org/drawingml/2006/main" xmlns:r="http://schemas.openxmlformats.org/officeDocument/2006/relationships" xmlns:p="http://schemas.openxmlformats.org/presentationml/2006/main">
   <p:cSld>
     <p:spTree>
@@ -7535,7 +4585,7 @@
 </p:sld>
 </file>
 
-<file path=ppt/slides/slide21.xml><?xml version="1.0" encoding="utf-8"?>
+<file path=ppt/slides/slide14.xml><?xml version="1.0" encoding="utf-8"?>
 <p:sld xmlns:a="http://schemas.openxmlformats.org/drawingml/2006/main" xmlns:r="http://schemas.openxmlformats.org/officeDocument/2006/relationships" xmlns:p="http://schemas.openxmlformats.org/presentationml/2006/main">
   <p:cSld>
     <p:spTree>
@@ -7973,7 +5023,7 @@
 </p:sld>
 </file>
 
-<file path=ppt/slides/slide22.xml><?xml version="1.0" encoding="utf-8"?>
+<file path=ppt/slides/slide15.xml><?xml version="1.0" encoding="utf-8"?>
 <p:sld xmlns:a="http://schemas.openxmlformats.org/drawingml/2006/main" xmlns:r="http://schemas.openxmlformats.org/officeDocument/2006/relationships" xmlns:p="http://schemas.openxmlformats.org/presentationml/2006/main">
   <p:cSld>
     <p:spTree>
@@ -8288,7 +5338,7 @@
 </p:sld>
 </file>
 
-<file path=ppt/slides/slide23.xml><?xml version="1.0" encoding="utf-8"?>
+<file path=ppt/slides/slide16.xml><?xml version="1.0" encoding="utf-8"?>
 <p:sld xmlns:a="http://schemas.openxmlformats.org/drawingml/2006/main" xmlns:r="http://schemas.openxmlformats.org/officeDocument/2006/relationships" xmlns:p="http://schemas.openxmlformats.org/presentationml/2006/main">
   <p:cSld>
     <p:spTree>
@@ -8500,7 +5550,7 @@
 </p:sld>
 </file>
 
-<file path=ppt/slides/slide24.xml><?xml version="1.0" encoding="utf-8"?>
+<file path=ppt/slides/slide17.xml><?xml version="1.0" encoding="utf-8"?>
 <p:sld xmlns:a="http://schemas.openxmlformats.org/drawingml/2006/main" xmlns:r="http://schemas.openxmlformats.org/officeDocument/2006/relationships" xmlns:p="http://schemas.openxmlformats.org/presentationml/2006/main">
   <p:cSld>
     <p:spTree>
@@ -8642,6 +5692,124 @@
     <p:extLst>
       <p:ext uri="{BB962C8B-B14F-4D97-AF65-F5344CB8AC3E}">
         <p14:creationId xmlns:p14="http://schemas.microsoft.com/office/powerpoint/2010/main" val="3486435405"/>
+      </p:ext>
+    </p:extLst>
+  </p:cSld>
+  <p:clrMapOvr>
+    <a:masterClrMapping/>
+  </p:clrMapOvr>
+</p:sld>
+</file>
+
+<file path=ppt/slides/slide2.xml><?xml version="1.0" encoding="utf-8"?>
+<p:sld xmlns:a="http://schemas.openxmlformats.org/drawingml/2006/main" xmlns:r="http://schemas.openxmlformats.org/officeDocument/2006/relationships" xmlns:p="http://schemas.openxmlformats.org/presentationml/2006/main">
+  <p:cSld>
+    <p:spTree>
+      <p:nvGrpSpPr>
+        <p:cNvPr id="1" name=""/>
+        <p:cNvGrpSpPr/>
+        <p:nvPr/>
+      </p:nvGrpSpPr>
+      <p:grpSpPr>
+        <a:xfrm>
+          <a:off x="0" y="0"/>
+          <a:ext cx="0" cy="0"/>
+          <a:chOff x="0" y="0"/>
+          <a:chExt cx="0" cy="0"/>
+        </a:xfrm>
+      </p:grpSpPr>
+      <p:sp>
+        <p:nvSpPr>
+          <p:cNvPr id="2" name="Title 1">
+            <a:extLst>
+              <a:ext uri="{FF2B5EF4-FFF2-40B4-BE49-F238E27FC236}">
+                <a16:creationId xmlns:a16="http://schemas.microsoft.com/office/drawing/2014/main" id="{92EB2340-E3BD-46BF-A749-E0B6967BC64E}"/>
+              </a:ext>
+            </a:extLst>
+          </p:cNvPr>
+          <p:cNvSpPr>
+            <a:spLocks noGrp="1"/>
+          </p:cNvSpPr>
+          <p:nvPr>
+            <p:ph type="title"/>
+          </p:nvPr>
+        </p:nvSpPr>
+        <p:spPr/>
+        <p:txBody>
+          <a:bodyPr/>
+          <a:lstStyle/>
+          <a:p>
+            <a:r>
+              <a:rPr lang="en-US" b="0" i="0" dirty="0">
+                <a:solidFill>
+                  <a:srgbClr val="333333"/>
+                </a:solidFill>
+                <a:effectLst/>
+                <a:latin typeface="Roboto"/>
+              </a:rPr>
+              <a:t>Problem identification</a:t>
+            </a:r>
+            <a:endParaRPr lang="en-US" dirty="0"/>
+          </a:p>
+        </p:txBody>
+      </p:sp>
+      <p:sp>
+        <p:nvSpPr>
+          <p:cNvPr id="3" name="Content Placeholder 2">
+            <a:extLst>
+              <a:ext uri="{FF2B5EF4-FFF2-40B4-BE49-F238E27FC236}">
+                <a16:creationId xmlns:a16="http://schemas.microsoft.com/office/drawing/2014/main" id="{C727B603-D9FD-4D6A-8892-D2F1387293D6}"/>
+              </a:ext>
+            </a:extLst>
+          </p:cNvPr>
+          <p:cNvSpPr>
+            <a:spLocks noGrp="1"/>
+          </p:cNvSpPr>
+          <p:nvPr>
+            <p:ph idx="1"/>
+          </p:nvPr>
+        </p:nvSpPr>
+        <p:spPr/>
+        <p:txBody>
+          <a:bodyPr/>
+          <a:lstStyle/>
+          <a:p>
+            <a:pPr marL="0" marR="0">
+              <a:lnSpc>
+                <a:spcPct val="105000"/>
+              </a:lnSpc>
+              <a:spcBef>
+                <a:spcPts val="0"/>
+              </a:spcBef>
+              <a:spcAft>
+                <a:spcPts val="0"/>
+              </a:spcAft>
+            </a:pPr>
+            <a:r>
+              <a:rPr lang="en-US" sz="1800" dirty="0">
+                <a:solidFill>
+                  <a:srgbClr val="333333"/>
+                </a:solidFill>
+                <a:effectLst/>
+                <a:latin typeface="Calibri" panose="020F0502020204030204" pitchFamily="34" charset="0"/>
+                <a:ea typeface="Calibri" panose="020F0502020204030204" pitchFamily="34" charset="0"/>
+                <a:cs typeface="Calibri" panose="020F0502020204030204" pitchFamily="34" charset="0"/>
+              </a:rPr>
+              <a:t>San Francisco Giants wants to buy player and they are asking the evaluation of the players on the market to buy.</a:t>
+            </a:r>
+            <a:endParaRPr lang="en-US" sz="1800" dirty="0">
+              <a:effectLst/>
+              <a:latin typeface="Calibri" panose="020F0502020204030204" pitchFamily="34" charset="0"/>
+              <a:ea typeface="Calibri" panose="020F0502020204030204" pitchFamily="34" charset="0"/>
+              <a:cs typeface="Times New Roman" panose="02020603050405020304" pitchFamily="18" charset="0"/>
+            </a:endParaRPr>
+          </a:p>
+        </p:txBody>
+      </p:sp>
+    </p:spTree>
+    <p:extLst>
+      <p:ext uri="{BB962C8B-B14F-4D97-AF65-F5344CB8AC3E}">
+        <p14:creationId xmlns:p14="http://schemas.microsoft.com/office/powerpoint/2010/main" val="2872820321"/>
       </p:ext>
     </p:extLst>
   </p:cSld>
@@ -8689,16 +5857,6 @@
           <a:bodyPr/>
           <a:lstStyle/>
           <a:p>
-            <a:r>
-              <a:rPr lang="en-US" b="0" i="0" dirty="0">
-                <a:solidFill>
-                  <a:srgbClr val="333333"/>
-                </a:solidFill>
-                <a:effectLst/>
-                <a:latin typeface="Roboto"/>
-              </a:rPr>
-              <a:t>Hitter</a:t>
-            </a:r>
             <a:br>
               <a:rPr lang="en-US" b="0" i="0" dirty="0">
                 <a:solidFill>
@@ -8812,16 +5970,6 @@
           <a:bodyPr/>
           <a:lstStyle/>
           <a:p>
-            <a:r>
-              <a:rPr lang="en-US" b="0" i="0" dirty="0">
-                <a:solidFill>
-                  <a:srgbClr val="333333"/>
-                </a:solidFill>
-                <a:effectLst/>
-                <a:latin typeface="Roboto"/>
-              </a:rPr>
-              <a:t>Hitter</a:t>
-            </a:r>
             <a:br>
               <a:rPr lang="en-US" b="0" i="0" dirty="0">
                 <a:solidFill>
@@ -8939,16 +6087,6 @@
           <a:bodyPr/>
           <a:lstStyle/>
           <a:p>
-            <a:r>
-              <a:rPr lang="en-US" b="0" i="0" dirty="0">
-                <a:solidFill>
-                  <a:srgbClr val="333333"/>
-                </a:solidFill>
-                <a:effectLst/>
-                <a:latin typeface="Roboto"/>
-              </a:rPr>
-              <a:t>Hitter</a:t>
-            </a:r>
             <a:br>
               <a:rPr lang="en-US" b="0" i="0" dirty="0">
                 <a:solidFill>
@@ -9066,16 +6204,6 @@
           <a:bodyPr/>
           <a:lstStyle/>
           <a:p>
-            <a:r>
-              <a:rPr lang="en-US" b="0" i="0" dirty="0">
-                <a:solidFill>
-                  <a:srgbClr val="333333"/>
-                </a:solidFill>
-                <a:effectLst/>
-                <a:latin typeface="Roboto"/>
-              </a:rPr>
-              <a:t>Hitter</a:t>
-            </a:r>
             <a:br>
               <a:rPr lang="en-US" b="0" i="0" dirty="0">
                 <a:solidFill>
@@ -9193,16 +6321,6 @@
           <a:bodyPr/>
           <a:lstStyle/>
           <a:p>
-            <a:r>
-              <a:rPr lang="en-US" b="0" i="0" dirty="0">
-                <a:solidFill>
-                  <a:srgbClr val="333333"/>
-                </a:solidFill>
-                <a:effectLst/>
-                <a:latin typeface="Roboto"/>
-              </a:rPr>
-              <a:t>Hitter</a:t>
-            </a:r>
             <a:br>
               <a:rPr lang="en-US" b="0" i="0" dirty="0">
                 <a:solidFill>
@@ -9320,16 +6438,6 @@
           <a:bodyPr/>
           <a:lstStyle/>
           <a:p>
-            <a:r>
-              <a:rPr lang="en-US" b="0" i="0" dirty="0">
-                <a:solidFill>
-                  <a:srgbClr val="333333"/>
-                </a:solidFill>
-                <a:effectLst/>
-                <a:latin typeface="Roboto"/>
-              </a:rPr>
-              <a:t>Hitter</a:t>
-            </a:r>
             <a:br>
               <a:rPr lang="en-US" b="0" i="0" dirty="0">
                 <a:solidFill>
@@ -9447,16 +6555,6 @@
           <a:bodyPr/>
           <a:lstStyle/>
           <a:p>
-            <a:r>
-              <a:rPr lang="en-US" b="0" i="0" dirty="0">
-                <a:solidFill>
-                  <a:srgbClr val="333333"/>
-                </a:solidFill>
-                <a:effectLst/>
-                <a:latin typeface="Roboto"/>
-              </a:rPr>
-              <a:t>Hitter</a:t>
-            </a:r>
             <a:br>
               <a:rPr lang="en-US" b="0" i="0" dirty="0">
                 <a:solidFill>
